--- a/foodimport.pptx
+++ b/foodimport.pptx
@@ -117,6 +117,11 @@
       </a:defRPr>
     </a:lvl9pPr>
   </p:defaultTextStyle>
+  <p:extLst>
+    <p:ext uri="{EFAFB233-063F-42B5-8137-9DF3F51BA10A}">
+      <p15:sldGuideLst xmlns:p15="http://schemas.microsoft.com/office/powerpoint/2012/main"/>
+    </p:ext>
+  </p:extLst>
 </p:presentation>
 </file>
 
@@ -133,7 +138,7 @@
   <pc:docChgLst>
     <pc:chgData name="Asa Bejraputra" userId="da74fe7b86012132" providerId="LiveId" clId="{CBB8A89A-24FB-42A8-8652-6515A3097CF5}"/>
     <pc:docChg chg="undo custSel addSld modSld addMainMaster delMainMaster">
-      <pc:chgData name="Asa Bejraputra" userId="da74fe7b86012132" providerId="LiveId" clId="{CBB8A89A-24FB-42A8-8652-6515A3097CF5}" dt="2025-07-14T01:35:06.209" v="1514" actId="20577"/>
+      <pc:chgData name="Asa Bejraputra" userId="da74fe7b86012132" providerId="LiveId" clId="{CBB8A89A-24FB-42A8-8652-6515A3097CF5}" dt="2025-07-14T01:47:42.182" v="1546" actId="1076"/>
       <pc:docMkLst>
         <pc:docMk/>
       </pc:docMkLst>
@@ -1188,20 +1193,52 @@
           </ac:picMkLst>
         </pc:picChg>
       </pc:sldChg>
-      <pc:sldChg chg="modSp new mod">
-        <pc:chgData name="Asa Bejraputra" userId="da74fe7b86012132" providerId="LiveId" clId="{CBB8A89A-24FB-42A8-8652-6515A3097CF5}" dt="2025-07-14T01:35:06.209" v="1514" actId="20577"/>
+      <pc:sldChg chg="addSp delSp modSp new mod">
+        <pc:chgData name="Asa Bejraputra" userId="da74fe7b86012132" providerId="LiveId" clId="{CBB8A89A-24FB-42A8-8652-6515A3097CF5}" dt="2025-07-14T01:47:42.182" v="1546" actId="1076"/>
         <pc:sldMkLst>
           <pc:docMk/>
           <pc:sldMk cId="2575117717" sldId="269"/>
         </pc:sldMkLst>
         <pc:spChg chg="mod">
-          <ac:chgData name="Asa Bejraputra" userId="da74fe7b86012132" providerId="LiveId" clId="{CBB8A89A-24FB-42A8-8652-6515A3097CF5}" dt="2025-07-14T01:35:06.209" v="1514" actId="20577"/>
+          <ac:chgData name="Asa Bejraputra" userId="da74fe7b86012132" providerId="LiveId" clId="{CBB8A89A-24FB-42A8-8652-6515A3097CF5}" dt="2025-07-14T01:47:42.182" v="1546" actId="1076"/>
           <ac:spMkLst>
             <pc:docMk/>
             <pc:sldMk cId="2575117717" sldId="269"/>
             <ac:spMk id="2" creationId="{2CB9DB27-F025-A9CA-CC6E-FED9D20C2C31}"/>
           </ac:spMkLst>
         </pc:spChg>
+        <pc:spChg chg="del">
+          <ac:chgData name="Asa Bejraputra" userId="da74fe7b86012132" providerId="LiveId" clId="{CBB8A89A-24FB-42A8-8652-6515A3097CF5}" dt="2025-07-14T01:46:10.993" v="1518" actId="478"/>
+          <ac:spMkLst>
+            <pc:docMk/>
+            <pc:sldMk cId="2575117717" sldId="269"/>
+            <ac:spMk id="3" creationId="{3535976C-8E4D-BAE1-3B1D-91ABD2A54FB1}"/>
+          </ac:spMkLst>
+        </pc:spChg>
+        <pc:spChg chg="add mod">
+          <ac:chgData name="Asa Bejraputra" userId="da74fe7b86012132" providerId="LiveId" clId="{CBB8A89A-24FB-42A8-8652-6515A3097CF5}" dt="2025-07-14T01:47:06.331" v="1545" actId="1076"/>
+          <ac:spMkLst>
+            <pc:docMk/>
+            <pc:sldMk cId="2575117717" sldId="269"/>
+            <ac:spMk id="8" creationId="{5218C51D-29F8-6B01-5E4A-69C8CB958011}"/>
+          </ac:spMkLst>
+        </pc:spChg>
+        <pc:picChg chg="add del mod">
+          <ac:chgData name="Asa Bejraputra" userId="da74fe7b86012132" providerId="LiveId" clId="{CBB8A89A-24FB-42A8-8652-6515A3097CF5}" dt="2025-07-14T01:46:17.280" v="1519" actId="478"/>
+          <ac:picMkLst>
+            <pc:docMk/>
+            <pc:sldMk cId="2575117717" sldId="269"/>
+            <ac:picMk id="5" creationId="{AE973A47-6531-DD4F-D834-2FE1831713BC}"/>
+          </ac:picMkLst>
+        </pc:picChg>
+        <pc:picChg chg="add mod">
+          <ac:chgData name="Asa Bejraputra" userId="da74fe7b86012132" providerId="LiveId" clId="{CBB8A89A-24FB-42A8-8652-6515A3097CF5}" dt="2025-07-14T01:46:46.082" v="1523" actId="14100"/>
+          <ac:picMkLst>
+            <pc:docMk/>
+            <pc:sldMk cId="2575117717" sldId="269"/>
+            <ac:picMk id="7" creationId="{072B3055-DD5C-0E99-35E8-5DF6F920D360}"/>
+          </ac:picMkLst>
+        </pc:picChg>
       </pc:sldChg>
       <pc:sldMasterChg chg="del delSldLayout">
         <pc:chgData name="Asa Bejraputra" userId="da74fe7b86012132" providerId="LiveId" clId="{CBB8A89A-24FB-42A8-8652-6515A3097CF5}" dt="2025-07-13T23:55:48.094" v="62" actId="26606"/>
@@ -9982,7 +10019,12 @@
             <p:ph type="title"/>
           </p:nvPr>
         </p:nvSpPr>
-        <p:spPr/>
+        <p:spPr>
+          <a:xfrm>
+            <a:off x="521208" y="761999"/>
+            <a:ext cx="11155680" cy="1463040"/>
+          </a:xfrm>
+        </p:spPr>
         <p:txBody>
           <a:bodyPr/>
           <a:lstStyle/>
@@ -10002,28 +10044,75 @@
           </a:p>
         </p:txBody>
       </p:sp>
+      <p:pic>
+        <p:nvPicPr>
+          <p:cNvPr id="7" name="Picture 6">
+            <a:extLst>
+              <a:ext uri="{FF2B5EF4-FFF2-40B4-BE49-F238E27FC236}">
+                <a16:creationId xmlns:a16="http://schemas.microsoft.com/office/drawing/2014/main" id="{072B3055-DD5C-0E99-35E8-5DF6F920D360}"/>
+              </a:ext>
+            </a:extLst>
+          </p:cNvPr>
+          <p:cNvPicPr>
+            <a:picLocks noChangeAspect="1"/>
+          </p:cNvPicPr>
+          <p:nvPr/>
+        </p:nvPicPr>
+        <p:blipFill>
+          <a:blip r:embed="rId2"/>
+          <a:stretch>
+            <a:fillRect/>
+          </a:stretch>
+        </p:blipFill>
+        <p:spPr>
+          <a:xfrm>
+            <a:off x="1106942" y="1627539"/>
+            <a:ext cx="9978116" cy="4468462"/>
+          </a:xfrm>
+          <a:prstGeom prst="rect">
+            <a:avLst/>
+          </a:prstGeom>
+        </p:spPr>
+      </p:pic>
       <p:sp>
         <p:nvSpPr>
-          <p:cNvPr id="3" name="Content Placeholder 2">
-            <a:extLst>
-              <a:ext uri="{FF2B5EF4-FFF2-40B4-BE49-F238E27FC236}">
-                <a16:creationId xmlns:a16="http://schemas.microsoft.com/office/drawing/2014/main" id="{3535976C-8E4D-BAE1-3B1D-91ABD2A54FB1}"/>
-              </a:ext>
-            </a:extLst>
-          </p:cNvPr>
-          <p:cNvSpPr>
-            <a:spLocks noGrp="1"/>
-          </p:cNvSpPr>
-          <p:nvPr>
-            <p:ph idx="1"/>
-          </p:nvPr>
+          <p:cNvPr id="8" name="TextBox 7">
+            <a:extLst>
+              <a:ext uri="{FF2B5EF4-FFF2-40B4-BE49-F238E27FC236}">
+                <a16:creationId xmlns:a16="http://schemas.microsoft.com/office/drawing/2014/main" id="{5218C51D-29F8-6B01-5E4A-69C8CB958011}"/>
+              </a:ext>
+            </a:extLst>
+          </p:cNvPr>
+          <p:cNvSpPr txBox="1"/>
+          <p:nvPr/>
         </p:nvSpPr>
-        <p:spPr/>
+        <p:spPr>
+          <a:xfrm>
+            <a:off x="999366" y="6248399"/>
+            <a:ext cx="8825952" cy="369332"/>
+          </a:xfrm>
+          <a:prstGeom prst="rect">
+            <a:avLst/>
+          </a:prstGeom>
+          <a:noFill/>
+        </p:spPr>
         <p:txBody>
-          <a:bodyPr/>
+          <a:bodyPr wrap="square" rtlCol="0">
+            <a:spAutoFit/>
+          </a:bodyPr>
           <a:lstStyle/>
           <a:p>
-            <a:endParaRPr lang="en-US"/>
+            <a:r>
+              <a:rPr lang="en-US" dirty="0"/>
+              <a:t>Link: </a:t>
+            </a:r>
+            <a:r>
+              <a:rPr lang="en-US" dirty="0">
+                <a:hlinkClick r:id="rId3"/>
+              </a:rPr>
+              <a:t>https://dv01-finalproject-us-food-import.streamlit.app/</a:t>
+            </a:r>
+            <a:endParaRPr lang="en-US" dirty="0"/>
           </a:p>
         </p:txBody>
       </p:sp>

--- a/foodimport.pptx
+++ b/foodimport.pptx
@@ -19,6 +19,7 @@
     <p:sldId id="267" r:id="rId13"/>
     <p:sldId id="268" r:id="rId14"/>
     <p:sldId id="269" r:id="rId15"/>
+    <p:sldId id="270" r:id="rId16"/>
   </p:sldIdLst>
   <p:sldSz cx="12192000" cy="6858000"/>
   <p:notesSz cx="6858000" cy="9144000"/>
@@ -138,7 +139,7 @@
   <pc:docChgLst>
     <pc:chgData name="Asa Bejraputra" userId="da74fe7b86012132" providerId="LiveId" clId="{CBB8A89A-24FB-42A8-8652-6515A3097CF5}"/>
     <pc:docChg chg="undo custSel addSld modSld addMainMaster delMainMaster">
-      <pc:chgData name="Asa Bejraputra" userId="da74fe7b86012132" providerId="LiveId" clId="{CBB8A89A-24FB-42A8-8652-6515A3097CF5}" dt="2025-07-14T01:47:42.182" v="1546" actId="1076"/>
+      <pc:chgData name="Asa Bejraputra" userId="da74fe7b86012132" providerId="LiveId" clId="{CBB8A89A-24FB-42A8-8652-6515A3097CF5}" dt="2025-07-14T02:06:58.076" v="2248" actId="20577"/>
       <pc:docMkLst>
         <pc:docMk/>
       </pc:docMkLst>
@@ -190,7 +191,7 @@
         </pc:picChg>
       </pc:sldChg>
       <pc:sldChg chg="addSp delSp modSp new mod setBg">
-        <pc:chgData name="Asa Bejraputra" userId="da74fe7b86012132" providerId="LiveId" clId="{CBB8A89A-24FB-42A8-8652-6515A3097CF5}" dt="2025-07-14T00:59:10.551" v="1025" actId="13926"/>
+        <pc:chgData name="Asa Bejraputra" userId="da74fe7b86012132" providerId="LiveId" clId="{CBB8A89A-24FB-42A8-8652-6515A3097CF5}" dt="2025-07-14T02:05:51.002" v="2236" actId="123"/>
         <pc:sldMkLst>
           <pc:docMk/>
           <pc:sldMk cId="942917870" sldId="257"/>
@@ -204,7 +205,7 @@
           </ac:spMkLst>
         </pc:spChg>
         <pc:spChg chg="mod">
-          <ac:chgData name="Asa Bejraputra" userId="da74fe7b86012132" providerId="LiveId" clId="{CBB8A89A-24FB-42A8-8652-6515A3097CF5}" dt="2025-07-14T00:59:10.551" v="1025" actId="13926"/>
+          <ac:chgData name="Asa Bejraputra" userId="da74fe7b86012132" providerId="LiveId" clId="{CBB8A89A-24FB-42A8-8652-6515A3097CF5}" dt="2025-07-14T02:05:51.002" v="2236" actId="123"/>
           <ac:spMkLst>
             <pc:docMk/>
             <pc:sldMk cId="942917870" sldId="257"/>
@@ -325,7 +326,7 @@
         </pc:picChg>
       </pc:sldChg>
       <pc:sldChg chg="addSp delSp modSp new mod modTransition setBg setClrOvrMap">
-        <pc:chgData name="Asa Bejraputra" userId="da74fe7b86012132" providerId="LiveId" clId="{CBB8A89A-24FB-42A8-8652-6515A3097CF5}" dt="2025-07-14T01:06:47.442" v="1231"/>
+        <pc:chgData name="Asa Bejraputra" userId="da74fe7b86012132" providerId="LiveId" clId="{CBB8A89A-24FB-42A8-8652-6515A3097CF5}" dt="2025-07-14T02:05:57.954" v="2237" actId="123"/>
         <pc:sldMkLst>
           <pc:docMk/>
           <pc:sldMk cId="2759882938" sldId="258"/>
@@ -643,7 +644,7 @@
           </ac:spMkLst>
         </pc:spChg>
         <pc:graphicFrameChg chg="add mod modGraphic">
-          <ac:chgData name="Asa Bejraputra" userId="da74fe7b86012132" providerId="LiveId" clId="{CBB8A89A-24FB-42A8-8652-6515A3097CF5}" dt="2025-07-14T00:50:14.647" v="556" actId="20577"/>
+          <ac:chgData name="Asa Bejraputra" userId="da74fe7b86012132" providerId="LiveId" clId="{CBB8A89A-24FB-42A8-8652-6515A3097CF5}" dt="2025-07-14T02:05:57.954" v="2237" actId="123"/>
           <ac:graphicFrameMkLst>
             <pc:docMk/>
             <pc:sldMk cId="2759882938" sldId="258"/>
@@ -668,7 +669,7 @@
         </pc:picChg>
       </pc:sldChg>
       <pc:sldChg chg="addSp delSp modSp new mod setBg">
-        <pc:chgData name="Asa Bejraputra" userId="da74fe7b86012132" providerId="LiveId" clId="{CBB8A89A-24FB-42A8-8652-6515A3097CF5}" dt="2025-07-14T01:07:17.485" v="1236" actId="114"/>
+        <pc:chgData name="Asa Bejraputra" userId="da74fe7b86012132" providerId="LiveId" clId="{CBB8A89A-24FB-42A8-8652-6515A3097CF5}" dt="2025-07-14T02:06:14.484" v="2239" actId="123"/>
         <pc:sldMkLst>
           <pc:docMk/>
           <pc:sldMk cId="2674618789" sldId="259"/>
@@ -682,7 +683,7 @@
           </ac:spMkLst>
         </pc:spChg>
         <pc:spChg chg="add del mod ord">
-          <ac:chgData name="Asa Bejraputra" userId="da74fe7b86012132" providerId="LiveId" clId="{CBB8A89A-24FB-42A8-8652-6515A3097CF5}" dt="2025-07-14T00:54:19.329" v="592" actId="20577"/>
+          <ac:chgData name="Asa Bejraputra" userId="da74fe7b86012132" providerId="LiveId" clId="{CBB8A89A-24FB-42A8-8652-6515A3097CF5}" dt="2025-07-14T02:06:14.484" v="2239" actId="123"/>
           <ac:spMkLst>
             <pc:docMk/>
             <pc:sldMk cId="2674618789" sldId="259"/>
@@ -755,7 +756,7 @@
         </pc:picChg>
       </pc:sldChg>
       <pc:sldChg chg="addSp modSp new mod">
-        <pc:chgData name="Asa Bejraputra" userId="da74fe7b86012132" providerId="LiveId" clId="{CBB8A89A-24FB-42A8-8652-6515A3097CF5}" dt="2025-07-14T01:07:21.619" v="1237" actId="114"/>
+        <pc:chgData name="Asa Bejraputra" userId="da74fe7b86012132" providerId="LiveId" clId="{CBB8A89A-24FB-42A8-8652-6515A3097CF5}" dt="2025-07-14T02:06:10.005" v="2238" actId="123"/>
         <pc:sldMkLst>
           <pc:docMk/>
           <pc:sldMk cId="319430228" sldId="260"/>
@@ -769,7 +770,7 @@
           </ac:spMkLst>
         </pc:spChg>
         <pc:spChg chg="mod">
-          <ac:chgData name="Asa Bejraputra" userId="da74fe7b86012132" providerId="LiveId" clId="{CBB8A89A-24FB-42A8-8652-6515A3097CF5}" dt="2025-07-14T00:52:23.540" v="582" actId="1076"/>
+          <ac:chgData name="Asa Bejraputra" userId="da74fe7b86012132" providerId="LiveId" clId="{CBB8A89A-24FB-42A8-8652-6515A3097CF5}" dt="2025-07-14T02:06:10.005" v="2238" actId="123"/>
           <ac:spMkLst>
             <pc:docMk/>
             <pc:sldMk cId="319430228" sldId="260"/>
@@ -794,7 +795,7 @@
         </pc:picChg>
       </pc:sldChg>
       <pc:sldChg chg="addSp modSp new mod">
-        <pc:chgData name="Asa Bejraputra" userId="da74fe7b86012132" providerId="LiveId" clId="{CBB8A89A-24FB-42A8-8652-6515A3097CF5}" dt="2025-07-14T01:07:26.079" v="1238" actId="114"/>
+        <pc:chgData name="Asa Bejraputra" userId="da74fe7b86012132" providerId="LiveId" clId="{CBB8A89A-24FB-42A8-8652-6515A3097CF5}" dt="2025-07-14T02:06:21.520" v="2240" actId="123"/>
         <pc:sldMkLst>
           <pc:docMk/>
           <pc:sldMk cId="1062491000" sldId="261"/>
@@ -808,7 +809,7 @@
           </ac:spMkLst>
         </pc:spChg>
         <pc:spChg chg="mod">
-          <ac:chgData name="Asa Bejraputra" userId="da74fe7b86012132" providerId="LiveId" clId="{CBB8A89A-24FB-42A8-8652-6515A3097CF5}" dt="2025-07-14T00:57:02.100" v="997" actId="1076"/>
+          <ac:chgData name="Asa Bejraputra" userId="da74fe7b86012132" providerId="LiveId" clId="{CBB8A89A-24FB-42A8-8652-6515A3097CF5}" dt="2025-07-14T02:06:21.520" v="2240" actId="123"/>
           <ac:spMkLst>
             <pc:docMk/>
             <pc:sldMk cId="1062491000" sldId="261"/>
@@ -833,7 +834,7 @@
         </pc:picChg>
       </pc:sldChg>
       <pc:sldChg chg="addSp modSp new mod">
-        <pc:chgData name="Asa Bejraputra" userId="da74fe7b86012132" providerId="LiveId" clId="{CBB8A89A-24FB-42A8-8652-6515A3097CF5}" dt="2025-07-14T01:07:30.067" v="1239" actId="114"/>
+        <pc:chgData name="Asa Bejraputra" userId="da74fe7b86012132" providerId="LiveId" clId="{CBB8A89A-24FB-42A8-8652-6515A3097CF5}" dt="2025-07-14T02:06:26.857" v="2241" actId="123"/>
         <pc:sldMkLst>
           <pc:docMk/>
           <pc:sldMk cId="4178745078" sldId="262"/>
@@ -847,7 +848,7 @@
           </ac:spMkLst>
         </pc:spChg>
         <pc:spChg chg="mod">
-          <ac:chgData name="Asa Bejraputra" userId="da74fe7b86012132" providerId="LiveId" clId="{CBB8A89A-24FB-42A8-8652-6515A3097CF5}" dt="2025-07-14T00:58:33.315" v="1024" actId="1076"/>
+          <ac:chgData name="Asa Bejraputra" userId="da74fe7b86012132" providerId="LiveId" clId="{CBB8A89A-24FB-42A8-8652-6515A3097CF5}" dt="2025-07-14T02:06:26.857" v="2241" actId="123"/>
           <ac:spMkLst>
             <pc:docMk/>
             <pc:sldMk cId="4178745078" sldId="262"/>
@@ -872,7 +873,7 @@
         </pc:picChg>
       </pc:sldChg>
       <pc:sldChg chg="addSp modSp new mod">
-        <pc:chgData name="Asa Bejraputra" userId="da74fe7b86012132" providerId="LiveId" clId="{CBB8A89A-24FB-42A8-8652-6515A3097CF5}" dt="2025-07-14T01:10:34.356" v="1286" actId="1076"/>
+        <pc:chgData name="Asa Bejraputra" userId="da74fe7b86012132" providerId="LiveId" clId="{CBB8A89A-24FB-42A8-8652-6515A3097CF5}" dt="2025-07-14T02:06:31.240" v="2242" actId="123"/>
         <pc:sldMkLst>
           <pc:docMk/>
           <pc:sldMk cId="821671997" sldId="263"/>
@@ -886,7 +887,7 @@
           </ac:spMkLst>
         </pc:spChg>
         <pc:spChg chg="mod">
-          <ac:chgData name="Asa Bejraputra" userId="da74fe7b86012132" providerId="LiveId" clId="{CBB8A89A-24FB-42A8-8652-6515A3097CF5}" dt="2025-07-14T01:10:34.356" v="1286" actId="1076"/>
+          <ac:chgData name="Asa Bejraputra" userId="da74fe7b86012132" providerId="LiveId" clId="{CBB8A89A-24FB-42A8-8652-6515A3097CF5}" dt="2025-07-14T02:06:31.240" v="2242" actId="123"/>
           <ac:spMkLst>
             <pc:docMk/>
             <pc:sldMk cId="821671997" sldId="263"/>
@@ -919,7 +920,7 @@
         </pc:picChg>
       </pc:sldChg>
       <pc:sldChg chg="addSp modSp new mod">
-        <pc:chgData name="Asa Bejraputra" userId="da74fe7b86012132" providerId="LiveId" clId="{CBB8A89A-24FB-42A8-8652-6515A3097CF5}" dt="2025-07-14T01:12:53.209" v="1317" actId="1076"/>
+        <pc:chgData name="Asa Bejraputra" userId="da74fe7b86012132" providerId="LiveId" clId="{CBB8A89A-24FB-42A8-8652-6515A3097CF5}" dt="2025-07-14T02:06:35.982" v="2243" actId="123"/>
         <pc:sldMkLst>
           <pc:docMk/>
           <pc:sldMk cId="939015105" sldId="264"/>
@@ -933,7 +934,7 @@
           </ac:spMkLst>
         </pc:spChg>
         <pc:spChg chg="mod">
-          <ac:chgData name="Asa Bejraputra" userId="da74fe7b86012132" providerId="LiveId" clId="{CBB8A89A-24FB-42A8-8652-6515A3097CF5}" dt="2025-07-14T01:12:53.209" v="1317" actId="1076"/>
+          <ac:chgData name="Asa Bejraputra" userId="da74fe7b86012132" providerId="LiveId" clId="{CBB8A89A-24FB-42A8-8652-6515A3097CF5}" dt="2025-07-14T02:06:35.982" v="2243" actId="123"/>
           <ac:spMkLst>
             <pc:docMk/>
             <pc:sldMk cId="939015105" sldId="264"/>
@@ -966,7 +967,7 @@
         </pc:picChg>
       </pc:sldChg>
       <pc:sldChg chg="addSp delSp modSp new mod">
-        <pc:chgData name="Asa Bejraputra" userId="da74fe7b86012132" providerId="LiveId" clId="{CBB8A89A-24FB-42A8-8652-6515A3097CF5}" dt="2025-07-14T01:18:01.220" v="1349" actId="1076"/>
+        <pc:chgData name="Asa Bejraputra" userId="da74fe7b86012132" providerId="LiveId" clId="{CBB8A89A-24FB-42A8-8652-6515A3097CF5}" dt="2025-07-14T02:06:40.381" v="2244" actId="123"/>
         <pc:sldMkLst>
           <pc:docMk/>
           <pc:sldMk cId="2273907016" sldId="265"/>
@@ -980,7 +981,7 @@
           </ac:spMkLst>
         </pc:spChg>
         <pc:spChg chg="mod">
-          <ac:chgData name="Asa Bejraputra" userId="da74fe7b86012132" providerId="LiveId" clId="{CBB8A89A-24FB-42A8-8652-6515A3097CF5}" dt="2025-07-14T01:18:01.220" v="1349" actId="1076"/>
+          <ac:chgData name="Asa Bejraputra" userId="da74fe7b86012132" providerId="LiveId" clId="{CBB8A89A-24FB-42A8-8652-6515A3097CF5}" dt="2025-07-14T02:06:40.381" v="2244" actId="123"/>
           <ac:spMkLst>
             <pc:docMk/>
             <pc:sldMk cId="2273907016" sldId="265"/>
@@ -1021,7 +1022,7 @@
         </pc:picChg>
       </pc:sldChg>
       <pc:sldChg chg="addSp modSp new mod">
-        <pc:chgData name="Asa Bejraputra" userId="da74fe7b86012132" providerId="LiveId" clId="{CBB8A89A-24FB-42A8-8652-6515A3097CF5}" dt="2025-07-14T01:20:08.642" v="1372" actId="1076"/>
+        <pc:chgData name="Asa Bejraputra" userId="da74fe7b86012132" providerId="LiveId" clId="{CBB8A89A-24FB-42A8-8652-6515A3097CF5}" dt="2025-07-14T02:06:45.186" v="2245" actId="123"/>
         <pc:sldMkLst>
           <pc:docMk/>
           <pc:sldMk cId="3093898319" sldId="266"/>
@@ -1035,7 +1036,7 @@
           </ac:spMkLst>
         </pc:spChg>
         <pc:spChg chg="mod">
-          <ac:chgData name="Asa Bejraputra" userId="da74fe7b86012132" providerId="LiveId" clId="{CBB8A89A-24FB-42A8-8652-6515A3097CF5}" dt="2025-07-14T01:20:08.642" v="1372" actId="1076"/>
+          <ac:chgData name="Asa Bejraputra" userId="da74fe7b86012132" providerId="LiveId" clId="{CBB8A89A-24FB-42A8-8652-6515A3097CF5}" dt="2025-07-14T02:06:45.186" v="2245" actId="123"/>
           <ac:spMkLst>
             <pc:docMk/>
             <pc:sldMk cId="3093898319" sldId="266"/>
@@ -1060,7 +1061,7 @@
         </pc:picChg>
       </pc:sldChg>
       <pc:sldChg chg="addSp modSp new mod">
-        <pc:chgData name="Asa Bejraputra" userId="da74fe7b86012132" providerId="LiveId" clId="{CBB8A89A-24FB-42A8-8652-6515A3097CF5}" dt="2025-07-14T01:24:19.713" v="1403" actId="113"/>
+        <pc:chgData name="Asa Bejraputra" userId="da74fe7b86012132" providerId="LiveId" clId="{CBB8A89A-24FB-42A8-8652-6515A3097CF5}" dt="2025-07-14T02:06:49.998" v="2246" actId="123"/>
         <pc:sldMkLst>
           <pc:docMk/>
           <pc:sldMk cId="53514423" sldId="267"/>
@@ -1074,7 +1075,7 @@
           </ac:spMkLst>
         </pc:spChg>
         <pc:spChg chg="mod">
-          <ac:chgData name="Asa Bejraputra" userId="da74fe7b86012132" providerId="LiveId" clId="{CBB8A89A-24FB-42A8-8652-6515A3097CF5}" dt="2025-07-14T01:24:19.713" v="1403" actId="113"/>
+          <ac:chgData name="Asa Bejraputra" userId="da74fe7b86012132" providerId="LiveId" clId="{CBB8A89A-24FB-42A8-8652-6515A3097CF5}" dt="2025-07-14T02:06:49.998" v="2246" actId="123"/>
           <ac:spMkLst>
             <pc:docMk/>
             <pc:sldMk cId="53514423" sldId="267"/>
@@ -1099,7 +1100,7 @@
         </pc:picChg>
       </pc:sldChg>
       <pc:sldChg chg="addSp modSp new mod">
-        <pc:chgData name="Asa Bejraputra" userId="da74fe7b86012132" providerId="LiveId" clId="{CBB8A89A-24FB-42A8-8652-6515A3097CF5}" dt="2025-07-14T01:30:52.783" v="1460" actId="164"/>
+        <pc:chgData name="Asa Bejraputra" userId="da74fe7b86012132" providerId="LiveId" clId="{CBB8A89A-24FB-42A8-8652-6515A3097CF5}" dt="2025-07-14T02:06:58.076" v="2248" actId="20577"/>
         <pc:sldMkLst>
           <pc:docMk/>
           <pc:sldMk cId="899489800" sldId="268"/>
@@ -1113,7 +1114,7 @@
           </ac:spMkLst>
         </pc:spChg>
         <pc:spChg chg="mod">
-          <ac:chgData name="Asa Bejraputra" userId="da74fe7b86012132" providerId="LiveId" clId="{CBB8A89A-24FB-42A8-8652-6515A3097CF5}" dt="2025-07-14T01:29:15.878" v="1451" actId="20577"/>
+          <ac:chgData name="Asa Bejraputra" userId="da74fe7b86012132" providerId="LiveId" clId="{CBB8A89A-24FB-42A8-8652-6515A3097CF5}" dt="2025-07-14T02:06:58.076" v="2248" actId="20577"/>
           <ac:spMkLst>
             <pc:docMk/>
             <pc:sldMk cId="899489800" sldId="268"/>
@@ -1237,6 +1238,85 @@
             <pc:docMk/>
             <pc:sldMk cId="2575117717" sldId="269"/>
             <ac:picMk id="7" creationId="{072B3055-DD5C-0E99-35E8-5DF6F920D360}"/>
+          </ac:picMkLst>
+        </pc:picChg>
+      </pc:sldChg>
+      <pc:sldChg chg="addSp delSp modSp new mod setBg setClrOvrMap">
+        <pc:chgData name="Asa Bejraputra" userId="da74fe7b86012132" providerId="LiveId" clId="{CBB8A89A-24FB-42A8-8652-6515A3097CF5}" dt="2025-07-14T02:04:42.044" v="2235" actId="1076"/>
+        <pc:sldMkLst>
+          <pc:docMk/>
+          <pc:sldMk cId="3417425313" sldId="270"/>
+        </pc:sldMkLst>
+        <pc:spChg chg="mod">
+          <ac:chgData name="Asa Bejraputra" userId="da74fe7b86012132" providerId="LiveId" clId="{CBB8A89A-24FB-42A8-8652-6515A3097CF5}" dt="2025-07-14T01:56:58.890" v="1559" actId="26606"/>
+          <ac:spMkLst>
+            <pc:docMk/>
+            <pc:sldMk cId="3417425313" sldId="270"/>
+            <ac:spMk id="2" creationId="{4E7D6C3E-117F-9B12-B4C9-9AD14A4CD905}"/>
+          </ac:spMkLst>
+        </pc:spChg>
+        <pc:spChg chg="del">
+          <ac:chgData name="Asa Bejraputra" userId="da74fe7b86012132" providerId="LiveId" clId="{CBB8A89A-24FB-42A8-8652-6515A3097CF5}" dt="2025-07-14T01:56:58.890" v="1559" actId="26606"/>
+          <ac:spMkLst>
+            <pc:docMk/>
+            <pc:sldMk cId="3417425313" sldId="270"/>
+            <ac:spMk id="3" creationId="{A5BF7A9E-4607-A358-B373-F3F4ED17B111}"/>
+          </ac:spMkLst>
+        </pc:spChg>
+        <pc:spChg chg="add mod">
+          <ac:chgData name="Asa Bejraputra" userId="da74fe7b86012132" providerId="LiveId" clId="{CBB8A89A-24FB-42A8-8652-6515A3097CF5}" dt="2025-07-14T02:04:42.044" v="2235" actId="1076"/>
+          <ac:spMkLst>
+            <pc:docMk/>
+            <pc:sldMk cId="3417425313" sldId="270"/>
+            <ac:spMk id="4" creationId="{34F75CBA-6CD2-E2F1-0B7F-0FF2EB3E83A8}"/>
+          </ac:spMkLst>
+        </pc:spChg>
+        <pc:spChg chg="add">
+          <ac:chgData name="Asa Bejraputra" userId="da74fe7b86012132" providerId="LiveId" clId="{CBB8A89A-24FB-42A8-8652-6515A3097CF5}" dt="2025-07-14T01:56:58.890" v="1559" actId="26606"/>
+          <ac:spMkLst>
+            <pc:docMk/>
+            <pc:sldMk cId="3417425313" sldId="270"/>
+            <ac:spMk id="9" creationId="{774A975B-A886-5202-0489-6965514A0D14}"/>
+          </ac:spMkLst>
+        </pc:spChg>
+        <pc:spChg chg="add">
+          <ac:chgData name="Asa Bejraputra" userId="da74fe7b86012132" providerId="LiveId" clId="{CBB8A89A-24FB-42A8-8652-6515A3097CF5}" dt="2025-07-14T01:56:58.890" v="1559" actId="26606"/>
+          <ac:spMkLst>
+            <pc:docMk/>
+            <pc:sldMk cId="3417425313" sldId="270"/>
+            <ac:spMk id="11" creationId="{EA67E988-5919-57BB-C7DE-D3EAD38A3045}"/>
+          </ac:spMkLst>
+        </pc:spChg>
+        <pc:spChg chg="add">
+          <ac:chgData name="Asa Bejraputra" userId="da74fe7b86012132" providerId="LiveId" clId="{CBB8A89A-24FB-42A8-8652-6515A3097CF5}" dt="2025-07-14T01:56:58.890" v="1559" actId="26606"/>
+          <ac:spMkLst>
+            <pc:docMk/>
+            <pc:sldMk cId="3417425313" sldId="270"/>
+            <ac:spMk id="13" creationId="{E20BB609-EF92-42DB-836C-0699A590B5CF}"/>
+          </ac:spMkLst>
+        </pc:spChg>
+        <pc:spChg chg="add">
+          <ac:chgData name="Asa Bejraputra" userId="da74fe7b86012132" providerId="LiveId" clId="{CBB8A89A-24FB-42A8-8652-6515A3097CF5}" dt="2025-07-14T01:56:58.890" v="1559" actId="26606"/>
+          <ac:spMkLst>
+            <pc:docMk/>
+            <pc:sldMk cId="3417425313" sldId="270"/>
+            <ac:spMk id="15" creationId="{637992A9-1E8C-4E57-B4F4-EE2D38E504A2}"/>
+          </ac:spMkLst>
+        </pc:spChg>
+        <pc:spChg chg="add">
+          <ac:chgData name="Asa Bejraputra" userId="da74fe7b86012132" providerId="LiveId" clId="{CBB8A89A-24FB-42A8-8652-6515A3097CF5}" dt="2025-07-14T01:56:58.890" v="1559" actId="26606"/>
+          <ac:spMkLst>
+            <pc:docMk/>
+            <pc:sldMk cId="3417425313" sldId="270"/>
+            <ac:spMk id="17" creationId="{B2C335F7-F61C-4EB4-80F2-4B1438FE66BB}"/>
+          </ac:spMkLst>
+        </pc:spChg>
+        <pc:picChg chg="add">
+          <ac:chgData name="Asa Bejraputra" userId="da74fe7b86012132" providerId="LiveId" clId="{CBB8A89A-24FB-42A8-8652-6515A3097CF5}" dt="2025-07-14T01:56:58.890" v="1559" actId="26606"/>
+          <ac:picMkLst>
+            <pc:docMk/>
+            <pc:sldMk cId="3417425313" sldId="270"/>
+            <ac:picMk id="5" creationId="{2B6F18E6-F91C-EC97-54D9-C1A8CD7AE1CD}"/>
           </ac:picMkLst>
         </pc:picChg>
       </pc:sldChg>
@@ -8913,6 +8993,7 @@
           <a:bodyPr/>
           <a:lstStyle/>
           <a:p>
+            <a:pPr algn="just"/>
             <a:r>
               <a:rPr lang="en-US" dirty="0"/>
               <a:t>In terms of Fishes import, </a:t>
@@ -9143,6 +9224,7 @@
           <a:bodyPr/>
           <a:lstStyle/>
           <a:p>
+            <a:pPr algn="just"/>
             <a:r>
               <a:rPr lang="en-US" dirty="0"/>
               <a:t>Then, we take a look of the Import Quantity for the last 25 years, we found that there're only some kind of Foods which the import quantity grows e.g. </a:t>
@@ -9322,6 +9404,7 @@
           <a:bodyPr/>
           <a:lstStyle/>
           <a:p>
+            <a:pPr algn="just"/>
             <a:r>
               <a:rPr lang="en-US" dirty="0"/>
               <a:t>In terms of Price, we found that price of fishes is noticeably more expensive than the other kind of imported foods. Moreover, their rate of price inflation is noticeably faster than everyone here. </a:t>
@@ -9499,13 +9582,14 @@
           </a:bodyPr>
           <a:lstStyle/>
           <a:p>
+            <a:pPr algn="just"/>
             <a:r>
               <a:rPr lang="en-US" dirty="0"/>
               <a:t>Then, we compared the price inflation over the years of each kind of Foods compared to each other. For example, we could see the patterns with strong correlation as follows:</a:t>
             </a:r>
           </a:p>
           <a:p>
-            <a:pPr lvl="1"/>
+            <a:pPr lvl="1" algn="just"/>
             <a:r>
               <a:rPr lang="en-US" dirty="0"/>
               <a:t>Fruits' price are positively correlated with </a:t>
@@ -9520,28 +9604,28 @@
             </a:r>
           </a:p>
           <a:p>
-            <a:pPr lvl="1"/>
+            <a:pPr lvl="1" algn="just"/>
             <a:r>
               <a:rPr lang="en-US" dirty="0"/>
               <a:t> Meats' price are positively correlated with Dairy, and Fishes.</a:t>
             </a:r>
           </a:p>
           <a:p>
-            <a:pPr lvl="1"/>
+            <a:pPr lvl="1" algn="just"/>
             <a:r>
               <a:rPr lang="en-US" dirty="0"/>
               <a:t> Nuts' price are positively correlated with Coffee, Tea, and Spices.</a:t>
             </a:r>
           </a:p>
           <a:p>
-            <a:pPr lvl="1"/>
+            <a:pPr lvl="1" algn="just"/>
             <a:r>
               <a:rPr lang="en-US" dirty="0"/>
               <a:t> Vegetable Oils are positively correlated with Coffee, Tea, Spices, and Grains.</a:t>
             </a:r>
           </a:p>
           <a:p>
-            <a:pPr marL="0" indent="0">
+            <a:pPr marL="0" indent="0" algn="just">
               <a:buNone/>
             </a:pPr>
             <a:br>
@@ -9549,15 +9633,7 @@
             </a:br>
             <a:r>
               <a:rPr lang="en-US" dirty="0"/>
-              <a:t>But most of them are positively correlated </a:t>
-            </a:r>
-            <a:r>
-              <a:rPr lang="en-US" dirty="0" err="1"/>
-              <a:t>betweeen</a:t>
-            </a:r>
-            <a:r>
-              <a:rPr lang="en-US" dirty="0"/>
-              <a:t> each other.</a:t>
+              <a:t>But most of them are positively correlated between each other.</a:t>
             </a:r>
           </a:p>
         </p:txBody>
@@ -10129,422 +10205,7 @@
 </p:sld>
 </file>
 
-<file path=ppt/slides/slide2.xml><?xml version="1.0" encoding="utf-8"?>
-<p:sld xmlns:a="http://schemas.openxmlformats.org/drawingml/2006/main" xmlns:r="http://schemas.openxmlformats.org/officeDocument/2006/relationships" xmlns:p="http://schemas.openxmlformats.org/presentationml/2006/main">
-  <p:cSld>
-    <p:bg>
-      <p:bgPr>
-        <a:solidFill>
-          <a:schemeClr val="bg1"/>
-        </a:solidFill>
-        <a:effectLst/>
-      </p:bgPr>
-    </p:bg>
-    <p:spTree>
-      <p:nvGrpSpPr>
-        <p:cNvPr id="1" name=""/>
-        <p:cNvGrpSpPr/>
-        <p:nvPr/>
-      </p:nvGrpSpPr>
-      <p:grpSpPr>
-        <a:xfrm>
-          <a:off x="0" y="0"/>
-          <a:ext cx="0" cy="0"/>
-          <a:chOff x="0" y="0"/>
-          <a:chExt cx="0" cy="0"/>
-        </a:xfrm>
-      </p:grpSpPr>
-      <p:sp useBgFill="1">
-        <p:nvSpPr>
-          <p:cNvPr id="38" name="Rectangle 37">
-            <a:extLst>
-              <a:ext uri="{FF2B5EF4-FFF2-40B4-BE49-F238E27FC236}">
-                <a16:creationId xmlns:a16="http://schemas.microsoft.com/office/drawing/2014/main" id="{1653AE3C-AC4F-907C-B473-B9A30D21506F}"/>
-              </a:ext>
-              <a:ext uri="{C183D7F6-B498-43B3-948B-1728B52AA6E4}">
-                <adec:decorative xmlns:adec="http://schemas.microsoft.com/office/drawing/2017/decorative" val="1"/>
-              </a:ext>
-            </a:extLst>
-          </p:cNvPr>
-          <p:cNvSpPr>
-            <a:spLocks noGrp="1" noRot="1" noChangeAspect="1" noMove="1" noResize="1" noEditPoints="1" noAdjustHandles="1" noChangeArrowheads="1" noChangeShapeType="1" noTextEdit="1"/>
-          </p:cNvSpPr>
-          <p:nvPr>
-            <p:extLst>
-              <p:ext uri="{386F3935-93C4-4BCD-93E2-E3B085C9AB24}">
-                <p16:designElem xmlns:p16="http://schemas.microsoft.com/office/powerpoint/2015/main" val="1"/>
-              </p:ext>
-            </p:extLst>
-          </p:nvPr>
-        </p:nvSpPr>
-        <p:spPr>
-          <a:xfrm>
-            <a:off x="0" y="0"/>
-            <a:ext cx="12188952" cy="6857995"/>
-          </a:xfrm>
-          <a:prstGeom prst="rect">
-            <a:avLst/>
-          </a:prstGeom>
-          <a:ln>
-            <a:noFill/>
-          </a:ln>
-        </p:spPr>
-        <p:style>
-          <a:lnRef idx="2">
-            <a:schemeClr val="accent1">
-              <a:shade val="50000"/>
-            </a:schemeClr>
-          </a:lnRef>
-          <a:fillRef idx="1">
-            <a:schemeClr val="accent1"/>
-          </a:fillRef>
-          <a:effectRef idx="0">
-            <a:schemeClr val="accent1"/>
-          </a:effectRef>
-          <a:fontRef idx="minor">
-            <a:schemeClr val="lt1"/>
-          </a:fontRef>
-        </p:style>
-        <p:txBody>
-          <a:bodyPr rtlCol="0" anchor="ctr"/>
-          <a:lstStyle/>
-          <a:p>
-            <a:pPr marL="0" marR="0" lvl="0" indent="0" algn="ctr" defTabSz="914400" rtl="0" eaLnBrk="1" fontAlgn="auto" latinLnBrk="0" hangingPunct="1">
-              <a:lnSpc>
-                <a:spcPct val="100000"/>
-              </a:lnSpc>
-              <a:spcBef>
-                <a:spcPts val="0"/>
-              </a:spcBef>
-              <a:spcAft>
-                <a:spcPts val="0"/>
-              </a:spcAft>
-              <a:buClrTx/>
-              <a:buSzTx/>
-              <a:buFontTx/>
-              <a:buNone/>
-              <a:tabLst/>
-              <a:defRPr/>
-            </a:pPr>
-            <a:endParaRPr kumimoji="0" lang="en-US" sz="1800" b="0" i="0" u="none" strike="noStrike" kern="1200" cap="none" spc="0" normalizeH="0" baseline="0" noProof="0">
-              <a:ln>
-                <a:noFill/>
-              </a:ln>
-              <a:solidFill>
-                <a:prstClr val="white"/>
-              </a:solidFill>
-              <a:effectLst/>
-              <a:uLnTx/>
-              <a:uFillTx/>
-              <a:latin typeface="Bierstadt"/>
-              <a:ea typeface="+mn-ea"/>
-              <a:cs typeface="+mn-cs"/>
-            </a:endParaRPr>
-          </a:p>
-        </p:txBody>
-      </p:sp>
-      <p:sp>
-        <p:nvSpPr>
-          <p:cNvPr id="40" name="Rectangle 39">
-            <a:extLst>
-              <a:ext uri="{FF2B5EF4-FFF2-40B4-BE49-F238E27FC236}">
-                <a16:creationId xmlns:a16="http://schemas.microsoft.com/office/drawing/2014/main" id="{DC81933E-93BD-38CE-3C98-D10B2844C58A}"/>
-              </a:ext>
-              <a:ext uri="{C183D7F6-B498-43B3-948B-1728B52AA6E4}">
-                <adec:decorative xmlns:adec="http://schemas.microsoft.com/office/drawing/2017/decorative" val="1"/>
-              </a:ext>
-            </a:extLst>
-          </p:cNvPr>
-          <p:cNvSpPr>
-            <a:spLocks noGrp="1" noRot="1" noChangeAspect="1" noMove="1" noResize="1" noEditPoints="1" noAdjustHandles="1" noChangeArrowheads="1" noChangeShapeType="1" noTextEdit="1"/>
-          </p:cNvSpPr>
-          <p:nvPr>
-            <p:extLst>
-              <p:ext uri="{386F3935-93C4-4BCD-93E2-E3B085C9AB24}">
-                <p16:designElem xmlns:p16="http://schemas.microsoft.com/office/powerpoint/2015/main" val="1"/>
-              </p:ext>
-            </p:extLst>
-          </p:nvPr>
-        </p:nvSpPr>
-        <p:spPr>
-          <a:xfrm>
-            <a:off x="517871" y="508090"/>
-            <a:ext cx="4288536" cy="149279"/>
-          </a:xfrm>
-          <a:prstGeom prst="rect">
-            <a:avLst/>
-          </a:prstGeom>
-          <a:solidFill>
-            <a:schemeClr val="tx1"/>
-          </a:solidFill>
-          <a:ln>
-            <a:noFill/>
-          </a:ln>
-        </p:spPr>
-        <p:style>
-          <a:lnRef idx="2">
-            <a:schemeClr val="accent1">
-              <a:shade val="50000"/>
-            </a:schemeClr>
-          </a:lnRef>
-          <a:fillRef idx="1">
-            <a:schemeClr val="accent1"/>
-          </a:fillRef>
-          <a:effectRef idx="0">
-            <a:schemeClr val="accent1"/>
-          </a:effectRef>
-          <a:fontRef idx="minor">
-            <a:schemeClr val="lt1"/>
-          </a:fontRef>
-        </p:style>
-        <p:txBody>
-          <a:bodyPr rtlCol="0" anchor="ctr"/>
-          <a:lstStyle/>
-          <a:p>
-            <a:pPr marL="0" marR="0" lvl="0" indent="0" algn="ctr" defTabSz="914400" rtl="0" eaLnBrk="1" fontAlgn="auto" latinLnBrk="0" hangingPunct="1">
-              <a:lnSpc>
-                <a:spcPct val="100000"/>
-              </a:lnSpc>
-              <a:spcBef>
-                <a:spcPts val="0"/>
-              </a:spcBef>
-              <a:spcAft>
-                <a:spcPts val="0"/>
-              </a:spcAft>
-              <a:buClrTx/>
-              <a:buSzTx/>
-              <a:buFontTx/>
-              <a:buNone/>
-              <a:tabLst/>
-              <a:defRPr/>
-            </a:pPr>
-            <a:endParaRPr kumimoji="0" lang="en-US" sz="1800" b="0" i="0" u="none" strike="noStrike" kern="1200" cap="none" spc="0" normalizeH="0" baseline="0" noProof="0">
-              <a:ln>
-                <a:noFill/>
-              </a:ln>
-              <a:solidFill>
-                <a:prstClr val="white"/>
-              </a:solidFill>
-              <a:effectLst/>
-              <a:uLnTx/>
-              <a:uFillTx/>
-              <a:latin typeface="Bierstadt"/>
-              <a:ea typeface="+mn-ea"/>
-              <a:cs typeface="+mn-cs"/>
-            </a:endParaRPr>
-          </a:p>
-        </p:txBody>
-      </p:sp>
-      <p:sp>
-        <p:nvSpPr>
-          <p:cNvPr id="42" name="Rectangle 41">
-            <a:extLst>
-              <a:ext uri="{FF2B5EF4-FFF2-40B4-BE49-F238E27FC236}">
-                <a16:creationId xmlns:a16="http://schemas.microsoft.com/office/drawing/2014/main" id="{AB1E35EA-FB9C-AE5F-4AB8-1B3D59CC954B}"/>
-              </a:ext>
-              <a:ext uri="{C183D7F6-B498-43B3-948B-1728B52AA6E4}">
-                <adec:decorative xmlns:adec="http://schemas.microsoft.com/office/drawing/2017/decorative" val="1"/>
-              </a:ext>
-            </a:extLst>
-          </p:cNvPr>
-          <p:cNvSpPr>
-            <a:spLocks noGrp="1" noRot="1" noChangeAspect="1" noMove="1" noResize="1" noEditPoints="1" noAdjustHandles="1" noChangeArrowheads="1" noChangeShapeType="1" noTextEdit="1"/>
-          </p:cNvSpPr>
-          <p:nvPr>
-            <p:extLst>
-              <p:ext uri="{386F3935-93C4-4BCD-93E2-E3B085C9AB24}">
-                <p16:designElem xmlns:p16="http://schemas.microsoft.com/office/powerpoint/2015/main" val="1"/>
-              </p:ext>
-            </p:extLst>
-          </p:nvPr>
-        </p:nvSpPr>
-        <p:spPr>
-          <a:xfrm>
-            <a:off x="5522976" y="611650"/>
-            <a:ext cx="6144768" cy="45719"/>
-          </a:xfrm>
-          <a:prstGeom prst="rect">
-            <a:avLst/>
-          </a:prstGeom>
-          <a:solidFill>
-            <a:schemeClr val="tx1"/>
-          </a:solidFill>
-          <a:ln>
-            <a:noFill/>
-          </a:ln>
-        </p:spPr>
-        <p:style>
-          <a:lnRef idx="2">
-            <a:schemeClr val="accent1">
-              <a:shade val="50000"/>
-            </a:schemeClr>
-          </a:lnRef>
-          <a:fillRef idx="1">
-            <a:schemeClr val="accent1"/>
-          </a:fillRef>
-          <a:effectRef idx="0">
-            <a:schemeClr val="accent1"/>
-          </a:effectRef>
-          <a:fontRef idx="minor">
-            <a:schemeClr val="lt1"/>
-          </a:fontRef>
-        </p:style>
-        <p:txBody>
-          <a:bodyPr rtlCol="0" anchor="ctr"/>
-          <a:lstStyle/>
-          <a:p>
-            <a:pPr marL="0" marR="0" lvl="0" indent="0" algn="ctr" defTabSz="914400" rtl="0" eaLnBrk="1" fontAlgn="auto" latinLnBrk="0" hangingPunct="1">
-              <a:lnSpc>
-                <a:spcPct val="100000"/>
-              </a:lnSpc>
-              <a:spcBef>
-                <a:spcPts val="0"/>
-              </a:spcBef>
-              <a:spcAft>
-                <a:spcPts val="0"/>
-              </a:spcAft>
-              <a:buClrTx/>
-              <a:buSzTx/>
-              <a:buFontTx/>
-              <a:buNone/>
-              <a:tabLst/>
-              <a:defRPr/>
-            </a:pPr>
-            <a:endParaRPr kumimoji="0" lang="en-US" sz="1800" b="0" i="0" u="none" strike="noStrike" kern="1200" cap="none" spc="0" normalizeH="0" baseline="0" noProof="0">
-              <a:ln>
-                <a:noFill/>
-              </a:ln>
-              <a:solidFill>
-                <a:prstClr val="white"/>
-              </a:solidFill>
-              <a:effectLst/>
-              <a:uLnTx/>
-              <a:uFillTx/>
-              <a:latin typeface="Bierstadt"/>
-              <a:ea typeface="+mn-ea"/>
-              <a:cs typeface="+mn-cs"/>
-            </a:endParaRPr>
-          </a:p>
-        </p:txBody>
-      </p:sp>
-      <p:sp>
-        <p:nvSpPr>
-          <p:cNvPr id="2" name="Title 1">
-            <a:extLst>
-              <a:ext uri="{FF2B5EF4-FFF2-40B4-BE49-F238E27FC236}">
-                <a16:creationId xmlns:a16="http://schemas.microsoft.com/office/drawing/2014/main" id="{95E85F1C-40B7-2CC8-70D8-4503F8659F74}"/>
-              </a:ext>
-            </a:extLst>
-          </p:cNvPr>
-          <p:cNvSpPr>
-            <a:spLocks noGrp="1"/>
-          </p:cNvSpPr>
-          <p:nvPr>
-            <p:ph type="title"/>
-          </p:nvPr>
-        </p:nvSpPr>
-        <p:spPr>
-          <a:xfrm>
-            <a:off x="521208" y="978408"/>
-            <a:ext cx="4288536" cy="5376672"/>
-          </a:xfrm>
-        </p:spPr>
-        <p:txBody>
-          <a:bodyPr>
-            <a:normAutofit/>
-          </a:bodyPr>
-          <a:lstStyle/>
-          <a:p>
-            <a:r>
-              <a:rPr lang="en-US"/>
-              <a:t>Introduction</a:t>
-            </a:r>
-          </a:p>
-        </p:txBody>
-      </p:sp>
-      <p:sp>
-        <p:nvSpPr>
-          <p:cNvPr id="3" name="Content Placeholder 2">
-            <a:extLst>
-              <a:ext uri="{FF2B5EF4-FFF2-40B4-BE49-F238E27FC236}">
-                <a16:creationId xmlns:a16="http://schemas.microsoft.com/office/drawing/2014/main" id="{0A735D2A-99D4-7095-6D37-598A16F4B54B}"/>
-              </a:ext>
-            </a:extLst>
-          </p:cNvPr>
-          <p:cNvSpPr>
-            <a:spLocks noGrp="1"/>
-          </p:cNvSpPr>
-          <p:nvPr>
-            <p:ph idx="1"/>
-          </p:nvPr>
-        </p:nvSpPr>
-        <p:spPr>
-          <a:xfrm>
-            <a:off x="5522976" y="1042416"/>
-            <a:ext cx="6144768" cy="5312664"/>
-          </a:xfrm>
-        </p:spPr>
-        <p:txBody>
-          <a:bodyPr>
-            <a:normAutofit/>
-          </a:bodyPr>
-          <a:lstStyle/>
-          <a:p>
-            <a:r>
-              <a:rPr lang="en-US" sz="2000" dirty="0"/>
-              <a:t>The U.S. Food Imports data product is an annually published statistical summary of the value and volume of food imports coming into the United States.</a:t>
-            </a:r>
-          </a:p>
-          <a:p>
-            <a:r>
-              <a:rPr lang="en-US" sz="2000" dirty="0"/>
-              <a:t>This data set provides </a:t>
-            </a:r>
-            <a:r>
-              <a:rPr lang="en-US" sz="2000" dirty="0">
-                <a:highlight>
-                  <a:srgbClr val="C0C0C0"/>
-                </a:highlight>
-              </a:rPr>
-              <a:t>import values of edible products (food and beverages) entering U.S. ports and the products’ origin of shipment</a:t>
-            </a:r>
-            <a:r>
-              <a:rPr lang="en-US" sz="2000" dirty="0"/>
-              <a:t>. Data are from the U.S. Department of Commerce, Bureau of the Census. Food and beverage import values are compiled by calendar year into food groups, corresponding to major commodities or level of processing.</a:t>
-            </a:r>
-          </a:p>
-          <a:p>
-            <a:r>
-              <a:rPr lang="en-US" sz="2000" dirty="0"/>
-              <a:t>You could see the source page and datasets </a:t>
-            </a:r>
-            <a:r>
-              <a:rPr lang="en-US" sz="2000" dirty="0">
-                <a:hlinkClick r:id="rId2"/>
-              </a:rPr>
-              <a:t>here</a:t>
-            </a:r>
-            <a:r>
-              <a:rPr lang="en-US" sz="2000" dirty="0"/>
-              <a:t>.</a:t>
-            </a:r>
-          </a:p>
-        </p:txBody>
-      </p:sp>
-    </p:spTree>
-    <p:extLst>
-      <p:ext uri="{BB962C8B-B14F-4D97-AF65-F5344CB8AC3E}">
-        <p14:creationId xmlns:p14="http://schemas.microsoft.com/office/powerpoint/2010/main" val="942917870"/>
-      </p:ext>
-    </p:extLst>
-  </p:cSld>
-  <p:clrMapOvr>
-    <a:masterClrMapping/>
-  </p:clrMapOvr>
-</p:sld>
-</file>
-
-<file path=ppt/slides/slide3.xml><?xml version="1.0" encoding="utf-8"?>
+<file path=ppt/slides/slide15.xml><?xml version="1.0" encoding="utf-8"?>
 <p:sld xmlns:a="http://schemas.openxmlformats.org/drawingml/2006/main" xmlns:r="http://schemas.openxmlformats.org/officeDocument/2006/relationships" xmlns:p="http://schemas.openxmlformats.org/presentationml/2006/main">
   <p:cSld>
     <p:bg>
@@ -10571,7 +10232,7 @@
       </p:grpSpPr>
       <p:sp>
         <p:nvSpPr>
-          <p:cNvPr id="48" name="Freeform: Shape 47">
+          <p:cNvPr id="9" name="Freeform: Shape 8">
             <a:extLst>
               <a:ext uri="{FF2B5EF4-FFF2-40B4-BE49-F238E27FC236}">
                 <a16:creationId xmlns:a16="http://schemas.microsoft.com/office/drawing/2014/main" id="{774A975B-A886-5202-0489-6965514A0D14}"/>
@@ -10679,7 +10340,7 @@
       </p:sp>
       <p:sp>
         <p:nvSpPr>
-          <p:cNvPr id="49" name="Freeform: Shape 48">
+          <p:cNvPr id="11" name="Freeform: Shape 10">
             <a:extLst>
               <a:ext uri="{FF2B5EF4-FFF2-40B4-BE49-F238E27FC236}">
                 <a16:creationId xmlns:a16="http://schemas.microsoft.com/office/drawing/2014/main" id="{EA67E988-5919-57BB-C7DE-D3EAD38A3045}"/>
@@ -10777,6 +10438,975 @@
       </p:sp>
       <p:sp useBgFill="1">
         <p:nvSpPr>
+          <p:cNvPr id="13" name="Rectangle 12">
+            <a:extLst>
+              <a:ext uri="{FF2B5EF4-FFF2-40B4-BE49-F238E27FC236}">
+                <a16:creationId xmlns:a16="http://schemas.microsoft.com/office/drawing/2014/main" id="{E20BB609-EF92-42DB-836C-0699A590B5CF}"/>
+              </a:ext>
+              <a:ext uri="{C183D7F6-B498-43B3-948B-1728B52AA6E4}">
+                <adec:decorative xmlns:adec="http://schemas.microsoft.com/office/drawing/2017/decorative" val="1"/>
+              </a:ext>
+            </a:extLst>
+          </p:cNvPr>
+          <p:cNvSpPr>
+            <a:spLocks noGrp="1" noRot="1" noChangeAspect="1" noMove="1" noResize="1" noEditPoints="1" noAdjustHandles="1" noChangeArrowheads="1" noChangeShapeType="1" noTextEdit="1"/>
+          </p:cNvSpPr>
+          <p:nvPr>
+            <p:extLst>
+              <p:ext uri="{386F3935-93C4-4BCD-93E2-E3B085C9AB24}">
+                <p16:designElem xmlns:p16="http://schemas.microsoft.com/office/powerpoint/2015/main" val="1"/>
+              </p:ext>
+            </p:extLst>
+          </p:nvPr>
+        </p:nvSpPr>
+        <p:spPr>
+          <a:xfrm>
+            <a:off x="0" y="0"/>
+            <a:ext cx="12192000" cy="6858001"/>
+          </a:xfrm>
+          <a:prstGeom prst="rect">
+            <a:avLst/>
+          </a:prstGeom>
+          <a:ln>
+            <a:noFill/>
+          </a:ln>
+        </p:spPr>
+        <p:style>
+          <a:lnRef idx="2">
+            <a:schemeClr val="accent1">
+              <a:shade val="50000"/>
+            </a:schemeClr>
+          </a:lnRef>
+          <a:fillRef idx="1">
+            <a:schemeClr val="accent1"/>
+          </a:fillRef>
+          <a:effectRef idx="0">
+            <a:schemeClr val="accent1"/>
+          </a:effectRef>
+          <a:fontRef idx="minor">
+            <a:schemeClr val="lt1"/>
+          </a:fontRef>
+        </p:style>
+        <p:txBody>
+          <a:bodyPr rtlCol="0" anchor="ctr"/>
+          <a:lstStyle/>
+          <a:p>
+            <a:pPr algn="ctr"/>
+            <a:endParaRPr lang="en-US" dirty="0"/>
+          </a:p>
+        </p:txBody>
+      </p:sp>
+      <p:pic>
+        <p:nvPicPr>
+          <p:cNvPr id="5" name="Picture 4" descr="Yellow question mark">
+            <a:extLst>
+              <a:ext uri="{FF2B5EF4-FFF2-40B4-BE49-F238E27FC236}">
+                <a16:creationId xmlns:a16="http://schemas.microsoft.com/office/drawing/2014/main" id="{2B6F18E6-F91C-EC97-54D9-C1A8CD7AE1CD}"/>
+              </a:ext>
+            </a:extLst>
+          </p:cNvPr>
+          <p:cNvPicPr>
+            <a:picLocks noChangeAspect="1"/>
+          </p:cNvPicPr>
+          <p:nvPr/>
+        </p:nvPicPr>
+        <p:blipFill>
+          <a:blip r:embed="rId2"/>
+          <a:srcRect r="-1" b="6226"/>
+          <a:stretch>
+            <a:fillRect/>
+          </a:stretch>
+        </p:blipFill>
+        <p:spPr>
+          <a:xfrm>
+            <a:off x="20" y="10"/>
+            <a:ext cx="12188932" cy="6857990"/>
+          </a:xfrm>
+          <a:prstGeom prst="rect">
+            <a:avLst/>
+          </a:prstGeom>
+        </p:spPr>
+      </p:pic>
+      <p:sp>
+        <p:nvSpPr>
+          <p:cNvPr id="15" name="Rectangle 14">
+            <a:extLst>
+              <a:ext uri="{FF2B5EF4-FFF2-40B4-BE49-F238E27FC236}">
+                <a16:creationId xmlns:a16="http://schemas.microsoft.com/office/drawing/2014/main" id="{637992A9-1E8C-4E57-B4F4-EE2D38E504A2}"/>
+              </a:ext>
+              <a:ext uri="{C183D7F6-B498-43B3-948B-1728B52AA6E4}">
+                <adec:decorative xmlns:adec="http://schemas.microsoft.com/office/drawing/2017/decorative" val="1"/>
+              </a:ext>
+            </a:extLst>
+          </p:cNvPr>
+          <p:cNvSpPr>
+            <a:spLocks noGrp="1" noRot="1" noChangeAspect="1" noMove="1" noResize="1" noEditPoints="1" noAdjustHandles="1" noChangeArrowheads="1" noChangeShapeType="1" noTextEdit="1"/>
+          </p:cNvSpPr>
+          <p:nvPr>
+            <p:extLst>
+              <p:ext uri="{386F3935-93C4-4BCD-93E2-E3B085C9AB24}">
+                <p16:designElem xmlns:p16="http://schemas.microsoft.com/office/powerpoint/2015/main" val="1"/>
+              </p:ext>
+            </p:extLst>
+          </p:nvPr>
+        </p:nvSpPr>
+        <p:spPr>
+          <a:xfrm rot="16200000">
+            <a:off x="389239" y="-389238"/>
+            <a:ext cx="6858000" cy="7636476"/>
+          </a:xfrm>
+          <a:prstGeom prst="rect">
+            <a:avLst/>
+          </a:prstGeom>
+          <a:gradFill>
+            <a:gsLst>
+              <a:gs pos="100000">
+                <a:srgbClr val="000000">
+                  <a:alpha val="0"/>
+                </a:srgbClr>
+              </a:gs>
+              <a:gs pos="0">
+                <a:schemeClr val="tx1"/>
+              </a:gs>
+              <a:gs pos="0">
+                <a:srgbClr val="000000">
+                  <a:alpha val="70000"/>
+                </a:srgbClr>
+              </a:gs>
+            </a:gsLst>
+            <a:lin ang="5400000" scaled="1"/>
+          </a:gradFill>
+          <a:ln>
+            <a:noFill/>
+          </a:ln>
+        </p:spPr>
+        <p:style>
+          <a:lnRef idx="2">
+            <a:schemeClr val="accent1">
+              <a:shade val="50000"/>
+            </a:schemeClr>
+          </a:lnRef>
+          <a:fillRef idx="1">
+            <a:schemeClr val="accent1"/>
+          </a:fillRef>
+          <a:effectRef idx="0">
+            <a:schemeClr val="accent1"/>
+          </a:effectRef>
+          <a:fontRef idx="minor">
+            <a:schemeClr val="lt1"/>
+          </a:fontRef>
+        </p:style>
+        <p:txBody>
+          <a:bodyPr rtlCol="0" anchor="ctr"/>
+          <a:lstStyle/>
+          <a:p>
+            <a:pPr algn="ctr"/>
+            <a:endParaRPr lang="en-US"/>
+          </a:p>
+        </p:txBody>
+      </p:sp>
+      <p:sp>
+        <p:nvSpPr>
+          <p:cNvPr id="2" name="Title 1">
+            <a:extLst>
+              <a:ext uri="{FF2B5EF4-FFF2-40B4-BE49-F238E27FC236}">
+                <a16:creationId xmlns:a16="http://schemas.microsoft.com/office/drawing/2014/main" id="{4E7D6C3E-117F-9B12-B4C9-9AD14A4CD905}"/>
+              </a:ext>
+            </a:extLst>
+          </p:cNvPr>
+          <p:cNvSpPr>
+            <a:spLocks noGrp="1"/>
+          </p:cNvSpPr>
+          <p:nvPr>
+            <p:ph type="title"/>
+          </p:nvPr>
+        </p:nvSpPr>
+        <p:spPr>
+          <a:xfrm>
+            <a:off x="517870" y="978407"/>
+            <a:ext cx="5021182" cy="3309511"/>
+          </a:xfrm>
+        </p:spPr>
+        <p:txBody>
+          <a:bodyPr vert="horz" lIns="91440" tIns="45720" rIns="91440" bIns="45720" rtlCol="0" anchor="t">
+            <a:normAutofit/>
+          </a:bodyPr>
+          <a:lstStyle/>
+          <a:p>
+            <a:r>
+              <a:rPr lang="en-US" sz="6000">
+                <a:solidFill>
+                  <a:srgbClr val="FFFFFF"/>
+                </a:solidFill>
+              </a:rPr>
+              <a:t>Conclusions</a:t>
+            </a:r>
+          </a:p>
+        </p:txBody>
+      </p:sp>
+      <p:sp>
+        <p:nvSpPr>
+          <p:cNvPr id="17" name="Rectangle 16">
+            <a:extLst>
+              <a:ext uri="{FF2B5EF4-FFF2-40B4-BE49-F238E27FC236}">
+                <a16:creationId xmlns:a16="http://schemas.microsoft.com/office/drawing/2014/main" id="{B2C335F7-F61C-4EB4-80F2-4B1438FE66BB}"/>
+              </a:ext>
+              <a:ext uri="{C183D7F6-B498-43B3-948B-1728B52AA6E4}">
+                <adec:decorative xmlns:adec="http://schemas.microsoft.com/office/drawing/2017/decorative" val="1"/>
+              </a:ext>
+            </a:extLst>
+          </p:cNvPr>
+          <p:cNvSpPr>
+            <a:spLocks noGrp="1" noRot="1" noChangeAspect="1" noMove="1" noResize="1" noEditPoints="1" noAdjustHandles="1" noChangeArrowheads="1" noChangeShapeType="1" noTextEdit="1"/>
+          </p:cNvSpPr>
+          <p:nvPr>
+            <p:extLst>
+              <p:ext uri="{386F3935-93C4-4BCD-93E2-E3B085C9AB24}">
+                <p16:designElem xmlns:p16="http://schemas.microsoft.com/office/powerpoint/2015/main" val="1"/>
+              </p:ext>
+            </p:extLst>
+          </p:nvPr>
+        </p:nvSpPr>
+        <p:spPr>
+          <a:xfrm>
+            <a:off x="517870" y="508090"/>
+            <a:ext cx="5021183" cy="149279"/>
+          </a:xfrm>
+          <a:prstGeom prst="rect">
+            <a:avLst/>
+          </a:prstGeom>
+          <a:solidFill>
+            <a:srgbClr val="FFFFFF"/>
+          </a:solidFill>
+          <a:ln>
+            <a:noFill/>
+          </a:ln>
+        </p:spPr>
+        <p:style>
+          <a:lnRef idx="2">
+            <a:schemeClr val="accent1">
+              <a:shade val="50000"/>
+            </a:schemeClr>
+          </a:lnRef>
+          <a:fillRef idx="1">
+            <a:schemeClr val="accent1"/>
+          </a:fillRef>
+          <a:effectRef idx="0">
+            <a:schemeClr val="accent1"/>
+          </a:effectRef>
+          <a:fontRef idx="minor">
+            <a:schemeClr val="lt1"/>
+          </a:fontRef>
+        </p:style>
+        <p:txBody>
+          <a:bodyPr rtlCol="0" anchor="ctr"/>
+          <a:lstStyle/>
+          <a:p>
+            <a:pPr algn="ctr"/>
+            <a:endParaRPr lang="en-US"/>
+          </a:p>
+        </p:txBody>
+      </p:sp>
+      <p:sp>
+        <p:nvSpPr>
+          <p:cNvPr id="4" name="TextBox 3">
+            <a:extLst>
+              <a:ext uri="{FF2B5EF4-FFF2-40B4-BE49-F238E27FC236}">
+                <a16:creationId xmlns:a16="http://schemas.microsoft.com/office/drawing/2014/main" id="{34F75CBA-6CD2-E2F1-0B7F-0FF2EB3E83A8}"/>
+              </a:ext>
+            </a:extLst>
+          </p:cNvPr>
+          <p:cNvSpPr txBox="1"/>
+          <p:nvPr/>
+        </p:nvSpPr>
+        <p:spPr>
+          <a:xfrm>
+            <a:off x="420521" y="2227805"/>
+            <a:ext cx="5118531" cy="1754326"/>
+          </a:xfrm>
+          <a:prstGeom prst="rect">
+            <a:avLst/>
+          </a:prstGeom>
+          <a:noFill/>
+        </p:spPr>
+        <p:txBody>
+          <a:bodyPr wrap="square" rtlCol="0">
+            <a:spAutoFit/>
+          </a:bodyPr>
+          <a:lstStyle/>
+          <a:p>
+            <a:pPr algn="just"/>
+            <a:r>
+              <a:rPr lang="en-US" dirty="0"/>
+              <a:t>U.S. imports foods from overseas by Billions of Dollars a year and still gradually growing. Mostly from their own neighbors, obviously. However, this is also the opportunities for entrepreneurs to know the market size so they could make the good forecast for marketize their products.</a:t>
+            </a:r>
+          </a:p>
+        </p:txBody>
+      </p:sp>
+    </p:spTree>
+    <p:extLst>
+      <p:ext uri="{BB962C8B-B14F-4D97-AF65-F5344CB8AC3E}">
+        <p14:creationId xmlns:p14="http://schemas.microsoft.com/office/powerpoint/2010/main" val="3417425313"/>
+      </p:ext>
+    </p:extLst>
+  </p:cSld>
+  <p:clrMapOvr>
+    <a:overrideClrMapping bg1="dk1" tx1="lt1" bg2="dk2" tx2="lt2" accent1="accent1" accent2="accent2" accent3="accent3" accent4="accent4" accent5="accent5" accent6="accent6" hlink="hlink" folHlink="folHlink"/>
+  </p:clrMapOvr>
+</p:sld>
+</file>
+
+<file path=ppt/slides/slide2.xml><?xml version="1.0" encoding="utf-8"?>
+<p:sld xmlns:a="http://schemas.openxmlformats.org/drawingml/2006/main" xmlns:r="http://schemas.openxmlformats.org/officeDocument/2006/relationships" xmlns:p="http://schemas.openxmlformats.org/presentationml/2006/main">
+  <p:cSld>
+    <p:bg>
+      <p:bgPr>
+        <a:solidFill>
+          <a:schemeClr val="bg1"/>
+        </a:solidFill>
+        <a:effectLst/>
+      </p:bgPr>
+    </p:bg>
+    <p:spTree>
+      <p:nvGrpSpPr>
+        <p:cNvPr id="1" name=""/>
+        <p:cNvGrpSpPr/>
+        <p:nvPr/>
+      </p:nvGrpSpPr>
+      <p:grpSpPr>
+        <a:xfrm>
+          <a:off x="0" y="0"/>
+          <a:ext cx="0" cy="0"/>
+          <a:chOff x="0" y="0"/>
+          <a:chExt cx="0" cy="0"/>
+        </a:xfrm>
+      </p:grpSpPr>
+      <p:sp useBgFill="1">
+        <p:nvSpPr>
+          <p:cNvPr id="38" name="Rectangle 37">
+            <a:extLst>
+              <a:ext uri="{FF2B5EF4-FFF2-40B4-BE49-F238E27FC236}">
+                <a16:creationId xmlns:a16="http://schemas.microsoft.com/office/drawing/2014/main" id="{1653AE3C-AC4F-907C-B473-B9A30D21506F}"/>
+              </a:ext>
+              <a:ext uri="{C183D7F6-B498-43B3-948B-1728B52AA6E4}">
+                <adec:decorative xmlns:adec="http://schemas.microsoft.com/office/drawing/2017/decorative" val="1"/>
+              </a:ext>
+            </a:extLst>
+          </p:cNvPr>
+          <p:cNvSpPr>
+            <a:spLocks noGrp="1" noRot="1" noChangeAspect="1" noMove="1" noResize="1" noEditPoints="1" noAdjustHandles="1" noChangeArrowheads="1" noChangeShapeType="1" noTextEdit="1"/>
+          </p:cNvSpPr>
+          <p:nvPr>
+            <p:extLst>
+              <p:ext uri="{386F3935-93C4-4BCD-93E2-E3B085C9AB24}">
+                <p16:designElem xmlns:p16="http://schemas.microsoft.com/office/powerpoint/2015/main" val="1"/>
+              </p:ext>
+            </p:extLst>
+          </p:nvPr>
+        </p:nvSpPr>
+        <p:spPr>
+          <a:xfrm>
+            <a:off x="0" y="0"/>
+            <a:ext cx="12188952" cy="6857995"/>
+          </a:xfrm>
+          <a:prstGeom prst="rect">
+            <a:avLst/>
+          </a:prstGeom>
+          <a:ln>
+            <a:noFill/>
+          </a:ln>
+        </p:spPr>
+        <p:style>
+          <a:lnRef idx="2">
+            <a:schemeClr val="accent1">
+              <a:shade val="50000"/>
+            </a:schemeClr>
+          </a:lnRef>
+          <a:fillRef idx="1">
+            <a:schemeClr val="accent1"/>
+          </a:fillRef>
+          <a:effectRef idx="0">
+            <a:schemeClr val="accent1"/>
+          </a:effectRef>
+          <a:fontRef idx="minor">
+            <a:schemeClr val="lt1"/>
+          </a:fontRef>
+        </p:style>
+        <p:txBody>
+          <a:bodyPr rtlCol="0" anchor="ctr"/>
+          <a:lstStyle/>
+          <a:p>
+            <a:pPr marL="0" marR="0" lvl="0" indent="0" algn="ctr" defTabSz="914400" rtl="0" eaLnBrk="1" fontAlgn="auto" latinLnBrk="0" hangingPunct="1">
+              <a:lnSpc>
+                <a:spcPct val="100000"/>
+              </a:lnSpc>
+              <a:spcBef>
+                <a:spcPts val="0"/>
+              </a:spcBef>
+              <a:spcAft>
+                <a:spcPts val="0"/>
+              </a:spcAft>
+              <a:buClrTx/>
+              <a:buSzTx/>
+              <a:buFontTx/>
+              <a:buNone/>
+              <a:tabLst/>
+              <a:defRPr/>
+            </a:pPr>
+            <a:endParaRPr kumimoji="0" lang="en-US" sz="1800" b="0" i="0" u="none" strike="noStrike" kern="1200" cap="none" spc="0" normalizeH="0" baseline="0" noProof="0">
+              <a:ln>
+                <a:noFill/>
+              </a:ln>
+              <a:solidFill>
+                <a:prstClr val="white"/>
+              </a:solidFill>
+              <a:effectLst/>
+              <a:uLnTx/>
+              <a:uFillTx/>
+              <a:latin typeface="Bierstadt"/>
+              <a:ea typeface="+mn-ea"/>
+              <a:cs typeface="+mn-cs"/>
+            </a:endParaRPr>
+          </a:p>
+        </p:txBody>
+      </p:sp>
+      <p:sp>
+        <p:nvSpPr>
+          <p:cNvPr id="40" name="Rectangle 39">
+            <a:extLst>
+              <a:ext uri="{FF2B5EF4-FFF2-40B4-BE49-F238E27FC236}">
+                <a16:creationId xmlns:a16="http://schemas.microsoft.com/office/drawing/2014/main" id="{DC81933E-93BD-38CE-3C98-D10B2844C58A}"/>
+              </a:ext>
+              <a:ext uri="{C183D7F6-B498-43B3-948B-1728B52AA6E4}">
+                <adec:decorative xmlns:adec="http://schemas.microsoft.com/office/drawing/2017/decorative" val="1"/>
+              </a:ext>
+            </a:extLst>
+          </p:cNvPr>
+          <p:cNvSpPr>
+            <a:spLocks noGrp="1" noRot="1" noChangeAspect="1" noMove="1" noResize="1" noEditPoints="1" noAdjustHandles="1" noChangeArrowheads="1" noChangeShapeType="1" noTextEdit="1"/>
+          </p:cNvSpPr>
+          <p:nvPr>
+            <p:extLst>
+              <p:ext uri="{386F3935-93C4-4BCD-93E2-E3B085C9AB24}">
+                <p16:designElem xmlns:p16="http://schemas.microsoft.com/office/powerpoint/2015/main" val="1"/>
+              </p:ext>
+            </p:extLst>
+          </p:nvPr>
+        </p:nvSpPr>
+        <p:spPr>
+          <a:xfrm>
+            <a:off x="517871" y="508090"/>
+            <a:ext cx="4288536" cy="149279"/>
+          </a:xfrm>
+          <a:prstGeom prst="rect">
+            <a:avLst/>
+          </a:prstGeom>
+          <a:solidFill>
+            <a:schemeClr val="tx1"/>
+          </a:solidFill>
+          <a:ln>
+            <a:noFill/>
+          </a:ln>
+        </p:spPr>
+        <p:style>
+          <a:lnRef idx="2">
+            <a:schemeClr val="accent1">
+              <a:shade val="50000"/>
+            </a:schemeClr>
+          </a:lnRef>
+          <a:fillRef idx="1">
+            <a:schemeClr val="accent1"/>
+          </a:fillRef>
+          <a:effectRef idx="0">
+            <a:schemeClr val="accent1"/>
+          </a:effectRef>
+          <a:fontRef idx="minor">
+            <a:schemeClr val="lt1"/>
+          </a:fontRef>
+        </p:style>
+        <p:txBody>
+          <a:bodyPr rtlCol="0" anchor="ctr"/>
+          <a:lstStyle/>
+          <a:p>
+            <a:pPr marL="0" marR="0" lvl="0" indent="0" algn="ctr" defTabSz="914400" rtl="0" eaLnBrk="1" fontAlgn="auto" latinLnBrk="0" hangingPunct="1">
+              <a:lnSpc>
+                <a:spcPct val="100000"/>
+              </a:lnSpc>
+              <a:spcBef>
+                <a:spcPts val="0"/>
+              </a:spcBef>
+              <a:spcAft>
+                <a:spcPts val="0"/>
+              </a:spcAft>
+              <a:buClrTx/>
+              <a:buSzTx/>
+              <a:buFontTx/>
+              <a:buNone/>
+              <a:tabLst/>
+              <a:defRPr/>
+            </a:pPr>
+            <a:endParaRPr kumimoji="0" lang="en-US" sz="1800" b="0" i="0" u="none" strike="noStrike" kern="1200" cap="none" spc="0" normalizeH="0" baseline="0" noProof="0">
+              <a:ln>
+                <a:noFill/>
+              </a:ln>
+              <a:solidFill>
+                <a:prstClr val="white"/>
+              </a:solidFill>
+              <a:effectLst/>
+              <a:uLnTx/>
+              <a:uFillTx/>
+              <a:latin typeface="Bierstadt"/>
+              <a:ea typeface="+mn-ea"/>
+              <a:cs typeface="+mn-cs"/>
+            </a:endParaRPr>
+          </a:p>
+        </p:txBody>
+      </p:sp>
+      <p:sp>
+        <p:nvSpPr>
+          <p:cNvPr id="42" name="Rectangle 41">
+            <a:extLst>
+              <a:ext uri="{FF2B5EF4-FFF2-40B4-BE49-F238E27FC236}">
+                <a16:creationId xmlns:a16="http://schemas.microsoft.com/office/drawing/2014/main" id="{AB1E35EA-FB9C-AE5F-4AB8-1B3D59CC954B}"/>
+              </a:ext>
+              <a:ext uri="{C183D7F6-B498-43B3-948B-1728B52AA6E4}">
+                <adec:decorative xmlns:adec="http://schemas.microsoft.com/office/drawing/2017/decorative" val="1"/>
+              </a:ext>
+            </a:extLst>
+          </p:cNvPr>
+          <p:cNvSpPr>
+            <a:spLocks noGrp="1" noRot="1" noChangeAspect="1" noMove="1" noResize="1" noEditPoints="1" noAdjustHandles="1" noChangeArrowheads="1" noChangeShapeType="1" noTextEdit="1"/>
+          </p:cNvSpPr>
+          <p:nvPr>
+            <p:extLst>
+              <p:ext uri="{386F3935-93C4-4BCD-93E2-E3B085C9AB24}">
+                <p16:designElem xmlns:p16="http://schemas.microsoft.com/office/powerpoint/2015/main" val="1"/>
+              </p:ext>
+            </p:extLst>
+          </p:nvPr>
+        </p:nvSpPr>
+        <p:spPr>
+          <a:xfrm>
+            <a:off x="5522976" y="611650"/>
+            <a:ext cx="6144768" cy="45719"/>
+          </a:xfrm>
+          <a:prstGeom prst="rect">
+            <a:avLst/>
+          </a:prstGeom>
+          <a:solidFill>
+            <a:schemeClr val="tx1"/>
+          </a:solidFill>
+          <a:ln>
+            <a:noFill/>
+          </a:ln>
+        </p:spPr>
+        <p:style>
+          <a:lnRef idx="2">
+            <a:schemeClr val="accent1">
+              <a:shade val="50000"/>
+            </a:schemeClr>
+          </a:lnRef>
+          <a:fillRef idx="1">
+            <a:schemeClr val="accent1"/>
+          </a:fillRef>
+          <a:effectRef idx="0">
+            <a:schemeClr val="accent1"/>
+          </a:effectRef>
+          <a:fontRef idx="minor">
+            <a:schemeClr val="lt1"/>
+          </a:fontRef>
+        </p:style>
+        <p:txBody>
+          <a:bodyPr rtlCol="0" anchor="ctr"/>
+          <a:lstStyle/>
+          <a:p>
+            <a:pPr marL="0" marR="0" lvl="0" indent="0" algn="ctr" defTabSz="914400" rtl="0" eaLnBrk="1" fontAlgn="auto" latinLnBrk="0" hangingPunct="1">
+              <a:lnSpc>
+                <a:spcPct val="100000"/>
+              </a:lnSpc>
+              <a:spcBef>
+                <a:spcPts val="0"/>
+              </a:spcBef>
+              <a:spcAft>
+                <a:spcPts val="0"/>
+              </a:spcAft>
+              <a:buClrTx/>
+              <a:buSzTx/>
+              <a:buFontTx/>
+              <a:buNone/>
+              <a:tabLst/>
+              <a:defRPr/>
+            </a:pPr>
+            <a:endParaRPr kumimoji="0" lang="en-US" sz="1800" b="0" i="0" u="none" strike="noStrike" kern="1200" cap="none" spc="0" normalizeH="0" baseline="0" noProof="0">
+              <a:ln>
+                <a:noFill/>
+              </a:ln>
+              <a:solidFill>
+                <a:prstClr val="white"/>
+              </a:solidFill>
+              <a:effectLst/>
+              <a:uLnTx/>
+              <a:uFillTx/>
+              <a:latin typeface="Bierstadt"/>
+              <a:ea typeface="+mn-ea"/>
+              <a:cs typeface="+mn-cs"/>
+            </a:endParaRPr>
+          </a:p>
+        </p:txBody>
+      </p:sp>
+      <p:sp>
+        <p:nvSpPr>
+          <p:cNvPr id="2" name="Title 1">
+            <a:extLst>
+              <a:ext uri="{FF2B5EF4-FFF2-40B4-BE49-F238E27FC236}">
+                <a16:creationId xmlns:a16="http://schemas.microsoft.com/office/drawing/2014/main" id="{95E85F1C-40B7-2CC8-70D8-4503F8659F74}"/>
+              </a:ext>
+            </a:extLst>
+          </p:cNvPr>
+          <p:cNvSpPr>
+            <a:spLocks noGrp="1"/>
+          </p:cNvSpPr>
+          <p:nvPr>
+            <p:ph type="title"/>
+          </p:nvPr>
+        </p:nvSpPr>
+        <p:spPr>
+          <a:xfrm>
+            <a:off x="521208" y="978408"/>
+            <a:ext cx="4288536" cy="5376672"/>
+          </a:xfrm>
+        </p:spPr>
+        <p:txBody>
+          <a:bodyPr>
+            <a:normAutofit/>
+          </a:bodyPr>
+          <a:lstStyle/>
+          <a:p>
+            <a:r>
+              <a:rPr lang="en-US"/>
+              <a:t>Introduction</a:t>
+            </a:r>
+          </a:p>
+        </p:txBody>
+      </p:sp>
+      <p:sp>
+        <p:nvSpPr>
+          <p:cNvPr id="3" name="Content Placeholder 2">
+            <a:extLst>
+              <a:ext uri="{FF2B5EF4-FFF2-40B4-BE49-F238E27FC236}">
+                <a16:creationId xmlns:a16="http://schemas.microsoft.com/office/drawing/2014/main" id="{0A735D2A-99D4-7095-6D37-598A16F4B54B}"/>
+              </a:ext>
+            </a:extLst>
+          </p:cNvPr>
+          <p:cNvSpPr>
+            <a:spLocks noGrp="1"/>
+          </p:cNvSpPr>
+          <p:nvPr>
+            <p:ph idx="1"/>
+          </p:nvPr>
+        </p:nvSpPr>
+        <p:spPr>
+          <a:xfrm>
+            <a:off x="5522976" y="1042416"/>
+            <a:ext cx="6144768" cy="5312664"/>
+          </a:xfrm>
+        </p:spPr>
+        <p:txBody>
+          <a:bodyPr>
+            <a:normAutofit/>
+          </a:bodyPr>
+          <a:lstStyle/>
+          <a:p>
+            <a:pPr algn="just"/>
+            <a:r>
+              <a:rPr lang="en-US" sz="2000" dirty="0"/>
+              <a:t>The U.S. Food Imports data product is an annually published statistical summary of the value and volume of food imports coming into the United States.</a:t>
+            </a:r>
+          </a:p>
+          <a:p>
+            <a:pPr algn="just"/>
+            <a:r>
+              <a:rPr lang="en-US" sz="2000" dirty="0"/>
+              <a:t>This data set provides </a:t>
+            </a:r>
+            <a:r>
+              <a:rPr lang="en-US" sz="2000" dirty="0">
+                <a:highlight>
+                  <a:srgbClr val="C0C0C0"/>
+                </a:highlight>
+              </a:rPr>
+              <a:t>import values of edible products (food and beverages) entering U.S. ports and the products’ origin of shipment</a:t>
+            </a:r>
+            <a:r>
+              <a:rPr lang="en-US" sz="2000" dirty="0"/>
+              <a:t>. Data are from the U.S. Department of Commerce, Bureau of the Census. Food and beverage import values are compiled by calendar year into food groups, corresponding to major commodities or level of processing.</a:t>
+            </a:r>
+          </a:p>
+          <a:p>
+            <a:pPr algn="just"/>
+            <a:r>
+              <a:rPr lang="en-US" sz="2000" dirty="0"/>
+              <a:t>You could see the source page and datasets </a:t>
+            </a:r>
+            <a:r>
+              <a:rPr lang="en-US" sz="2000" dirty="0">
+                <a:hlinkClick r:id="rId2"/>
+              </a:rPr>
+              <a:t>here</a:t>
+            </a:r>
+            <a:r>
+              <a:rPr lang="en-US" sz="2000" dirty="0"/>
+              <a:t>.</a:t>
+            </a:r>
+          </a:p>
+        </p:txBody>
+      </p:sp>
+    </p:spTree>
+    <p:extLst>
+      <p:ext uri="{BB962C8B-B14F-4D97-AF65-F5344CB8AC3E}">
+        <p14:creationId xmlns:p14="http://schemas.microsoft.com/office/powerpoint/2010/main" val="942917870"/>
+      </p:ext>
+    </p:extLst>
+  </p:cSld>
+  <p:clrMapOvr>
+    <a:masterClrMapping/>
+  </p:clrMapOvr>
+</p:sld>
+</file>
+
+<file path=ppt/slides/slide3.xml><?xml version="1.0" encoding="utf-8"?>
+<p:sld xmlns:a="http://schemas.openxmlformats.org/drawingml/2006/main" xmlns:r="http://schemas.openxmlformats.org/officeDocument/2006/relationships" xmlns:p="http://schemas.openxmlformats.org/presentationml/2006/main">
+  <p:cSld>
+    <p:bg>
+      <p:bgPr>
+        <a:solidFill>
+          <a:schemeClr val="bg1"/>
+        </a:solidFill>
+        <a:effectLst/>
+      </p:bgPr>
+    </p:bg>
+    <p:spTree>
+      <p:nvGrpSpPr>
+        <p:cNvPr id="1" name=""/>
+        <p:cNvGrpSpPr/>
+        <p:nvPr/>
+      </p:nvGrpSpPr>
+      <p:grpSpPr>
+        <a:xfrm>
+          <a:off x="0" y="0"/>
+          <a:ext cx="0" cy="0"/>
+          <a:chOff x="0" y="0"/>
+          <a:chExt cx="0" cy="0"/>
+        </a:xfrm>
+      </p:grpSpPr>
+      <p:sp>
+        <p:nvSpPr>
+          <p:cNvPr id="48" name="Freeform: Shape 47">
+            <a:extLst>
+              <a:ext uri="{FF2B5EF4-FFF2-40B4-BE49-F238E27FC236}">
+                <a16:creationId xmlns:a16="http://schemas.microsoft.com/office/drawing/2014/main" id="{774A975B-A886-5202-0489-6965514A0D14}"/>
+              </a:ext>
+              <a:ext uri="{C183D7F6-B498-43B3-948B-1728B52AA6E4}">
+                <adec:decorative xmlns:adec="http://schemas.microsoft.com/office/drawing/2017/decorative" val="1"/>
+              </a:ext>
+            </a:extLst>
+          </p:cNvPr>
+          <p:cNvSpPr>
+            <a:spLocks noGrp="1" noRot="1" noChangeAspect="1" noMove="1" noResize="1" noEditPoints="1" noAdjustHandles="1" noChangeArrowheads="1" noChangeShapeType="1" noTextEdit="1"/>
+          </p:cNvSpPr>
+          <p:nvPr>
+            <p:extLst>
+              <p:ext uri="{386F3935-93C4-4BCD-93E2-E3B085C9AB24}">
+                <p16:designElem xmlns:p16="http://schemas.microsoft.com/office/powerpoint/2015/main" val="1"/>
+              </p:ext>
+            </p:extLst>
+          </p:nvPr>
+        </p:nvSpPr>
+        <p:spPr>
+          <a:xfrm>
+            <a:off x="517869" y="508090"/>
+            <a:ext cx="11153214" cy="149279"/>
+          </a:xfrm>
+          <a:custGeom>
+            <a:avLst/>
+            <a:gdLst>
+              <a:gd name="connsiteX0" fmla="*/ 0 w 8085002"/>
+              <a:gd name="connsiteY0" fmla="*/ 0 h 149279"/>
+              <a:gd name="connsiteX1" fmla="*/ 8085002 w 8085002"/>
+              <a:gd name="connsiteY1" fmla="*/ 0 h 149279"/>
+              <a:gd name="connsiteX2" fmla="*/ 8085002 w 8085002"/>
+              <a:gd name="connsiteY2" fmla="*/ 149279 h 149279"/>
+              <a:gd name="connsiteX3" fmla="*/ 0 w 8085002"/>
+              <a:gd name="connsiteY3" fmla="*/ 149279 h 149279"/>
+            </a:gdLst>
+            <a:ahLst/>
+            <a:cxnLst>
+              <a:cxn ang="0">
+                <a:pos x="connsiteX0" y="connsiteY0"/>
+              </a:cxn>
+              <a:cxn ang="0">
+                <a:pos x="connsiteX1" y="connsiteY1"/>
+              </a:cxn>
+              <a:cxn ang="0">
+                <a:pos x="connsiteX2" y="connsiteY2"/>
+              </a:cxn>
+              <a:cxn ang="0">
+                <a:pos x="connsiteX3" y="connsiteY3"/>
+              </a:cxn>
+            </a:cxnLst>
+            <a:rect l="l" t="t" r="r" b="b"/>
+            <a:pathLst>
+              <a:path w="8085002" h="149279">
+                <a:moveTo>
+                  <a:pt x="0" y="0"/>
+                </a:moveTo>
+                <a:lnTo>
+                  <a:pt x="8085002" y="0"/>
+                </a:lnTo>
+                <a:lnTo>
+                  <a:pt x="8085002" y="149279"/>
+                </a:lnTo>
+                <a:lnTo>
+                  <a:pt x="0" y="149279"/>
+                </a:lnTo>
+                <a:close/>
+              </a:path>
+            </a:pathLst>
+          </a:custGeom>
+          <a:solidFill>
+            <a:schemeClr val="tx1"/>
+          </a:solidFill>
+          <a:ln>
+            <a:noFill/>
+          </a:ln>
+        </p:spPr>
+        <p:style>
+          <a:lnRef idx="2">
+            <a:schemeClr val="accent1">
+              <a:shade val="50000"/>
+            </a:schemeClr>
+          </a:lnRef>
+          <a:fillRef idx="1">
+            <a:schemeClr val="accent1"/>
+          </a:fillRef>
+          <a:effectRef idx="0">
+            <a:schemeClr val="accent1"/>
+          </a:effectRef>
+          <a:fontRef idx="minor">
+            <a:schemeClr val="lt1"/>
+          </a:fontRef>
+        </p:style>
+        <p:txBody>
+          <a:bodyPr wrap="square" rtlCol="0" anchor="ctr">
+            <a:noAutofit/>
+          </a:bodyPr>
+          <a:lstStyle/>
+          <a:p>
+            <a:pPr algn="ctr"/>
+            <a:endParaRPr lang="en-US"/>
+          </a:p>
+        </p:txBody>
+      </p:sp>
+      <p:sp>
+        <p:nvSpPr>
+          <p:cNvPr id="49" name="Freeform: Shape 48">
+            <a:extLst>
+              <a:ext uri="{FF2B5EF4-FFF2-40B4-BE49-F238E27FC236}">
+                <a16:creationId xmlns:a16="http://schemas.microsoft.com/office/drawing/2014/main" id="{EA67E988-5919-57BB-C7DE-D3EAD38A3045}"/>
+              </a:ext>
+              <a:ext uri="{C183D7F6-B498-43B3-948B-1728B52AA6E4}">
+                <adec:decorative xmlns:adec="http://schemas.microsoft.com/office/drawing/2017/decorative" val="1"/>
+              </a:ext>
+            </a:extLst>
+          </p:cNvPr>
+          <p:cNvSpPr>
+            <a:spLocks noGrp="1" noRot="1" noChangeAspect="1" noMove="1" noResize="1" noEditPoints="1" noAdjustHandles="1" noChangeArrowheads="1" noChangeShapeType="1" noTextEdit="1"/>
+          </p:cNvSpPr>
+          <p:nvPr>
+            <p:extLst>
+              <p:ext uri="{386F3935-93C4-4BCD-93E2-E3B085C9AB24}">
+                <p16:designElem xmlns:p16="http://schemas.microsoft.com/office/powerpoint/2015/main" val="1"/>
+              </p:ext>
+            </p:extLst>
+          </p:nvPr>
+        </p:nvSpPr>
+        <p:spPr>
+          <a:xfrm>
+            <a:off x="517870" y="6209925"/>
+            <a:ext cx="11155680" cy="45719"/>
+          </a:xfrm>
+          <a:custGeom>
+            <a:avLst/>
+            <a:gdLst/>
+            <a:ahLst/>
+            <a:cxnLst/>
+            <a:rect l="l" t="t" r="r" b="b"/>
+            <a:pathLst>
+              <a:path w="8715708" h="45719">
+                <a:moveTo>
+                  <a:pt x="0" y="0"/>
+                </a:moveTo>
+                <a:lnTo>
+                  <a:pt x="3694525" y="0"/>
+                </a:lnTo>
+                <a:lnTo>
+                  <a:pt x="5021183" y="0"/>
+                </a:lnTo>
+                <a:lnTo>
+                  <a:pt x="8715708" y="0"/>
+                </a:lnTo>
+                <a:lnTo>
+                  <a:pt x="8715708" y="45719"/>
+                </a:lnTo>
+                <a:lnTo>
+                  <a:pt x="5021183" y="45719"/>
+                </a:lnTo>
+                <a:lnTo>
+                  <a:pt x="3694525" y="45719"/>
+                </a:lnTo>
+                <a:lnTo>
+                  <a:pt x="0" y="45719"/>
+                </a:lnTo>
+                <a:close/>
+              </a:path>
+            </a:pathLst>
+          </a:custGeom>
+          <a:solidFill>
+            <a:schemeClr val="tx1"/>
+          </a:solidFill>
+          <a:ln>
+            <a:noFill/>
+          </a:ln>
+        </p:spPr>
+        <p:style>
+          <a:lnRef idx="2">
+            <a:schemeClr val="accent1">
+              <a:shade val="50000"/>
+            </a:schemeClr>
+          </a:lnRef>
+          <a:fillRef idx="1">
+            <a:schemeClr val="accent1"/>
+          </a:fillRef>
+          <a:effectRef idx="0">
+            <a:schemeClr val="accent1"/>
+          </a:effectRef>
+          <a:fontRef idx="minor">
+            <a:schemeClr val="lt1"/>
+          </a:fontRef>
+        </p:style>
+        <p:txBody>
+          <a:bodyPr wrap="square" rtlCol="0" anchor="ctr">
+            <a:noAutofit/>
+          </a:bodyPr>
+          <a:lstStyle/>
+          <a:p>
+            <a:pPr algn="ctr"/>
+            <a:endParaRPr lang="en-US"/>
+          </a:p>
+        </p:txBody>
+      </p:sp>
+      <p:sp useBgFill="1">
+        <p:nvSpPr>
           <p:cNvPr id="50" name="Rectangle 49">
             <a:extLst>
               <a:ext uri="{FF2B5EF4-FFF2-40B4-BE49-F238E27FC236}">
@@ -11159,6 +11789,7 @@
           <a:bodyPr/>
           <a:lstStyle/>
           <a:p>
+            <a:pPr algn="just"/>
             <a:r>
               <a:rPr lang="en-US" dirty="0"/>
               <a:t>For the last 25 years, we could see that US spend their money for importing the </a:t>
@@ -11189,6 +11820,7 @@
             </a:r>
           </a:p>
           <a:p>
+            <a:pPr algn="just"/>
             <a:endParaRPr lang="en-US" dirty="0"/>
           </a:p>
         </p:txBody>
@@ -11355,6 +11987,7 @@
           <a:bodyPr/>
           <a:lstStyle/>
           <a:p>
+            <a:pPr algn="just"/>
             <a:r>
               <a:rPr lang="en-US" dirty="0"/>
               <a:t>Obviously, there're numbers of trade partner which US imports the foods from. However, around two-third of their foods imports was made with their close neighbors e.g. </a:t>
@@ -11550,12 +12183,14 @@
           <a:bodyPr/>
           <a:lstStyle/>
           <a:p>
+            <a:pPr algn="just"/>
             <a:r>
               <a:rPr lang="en-US" dirty="0"/>
               <a:t>Well then, when we found out that Canada is the U.S. biggest food exporters. What they actually sold for the last 5 years?</a:t>
             </a:r>
           </a:p>
           <a:p>
+            <a:pPr algn="just"/>
             <a:r>
               <a:rPr lang="en-US" dirty="0"/>
               <a:t>Then, speaking of Canada, the U.S. is a major importer of their </a:t>
@@ -11751,6 +12386,7 @@
           <a:bodyPr/>
           <a:lstStyle/>
           <a:p>
+            <a:pPr algn="just"/>
             <a:r>
               <a:rPr lang="en-US" dirty="0"/>
               <a:t>When we take a look on the changes in Import Value for the last 25 years. We could see that </a:t>
@@ -11973,6 +12609,7 @@
           <a:bodyPr/>
           <a:lstStyle/>
           <a:p>
+            <a:pPr algn="just"/>
             <a:r>
               <a:rPr lang="en-US" dirty="0"/>
               <a:t>When we take a look into Beverages imports for the last 25 years, we found that </a:t>
@@ -12219,6 +12856,7 @@
           <a:bodyPr/>
           <a:lstStyle/>
           <a:p>
+            <a:pPr algn="just"/>
             <a:r>
               <a:rPr lang="en-US" dirty="0"/>
               <a:t>In terms of imported fruits, </a:t>
